--- a/CSYE 7200  Final Presentation.pptx
+++ b/CSYE 7200  Final Presentation.pptx
@@ -17,6 +17,9 @@
     <p:sldId id="262" r:id="rId12"/>
     <p:sldId id="263" r:id="rId13"/>
     <p:sldId id="264" r:id="rId14"/>
+    <p:sldId id="265" r:id="rId15"/>
+    <p:sldId id="266" r:id="rId16"/>
+    <p:sldId id="267" r:id="rId17"/>
   </p:sldIdLst>
   <p:sldSz cy="5143500" cx="9144000"/>
   <p:notesSz cx="6858000" cy="9144000"/>
@@ -791,6 +794,303 @@
 </p:notes>
 </file>
 
+<file path=ppt/notesSlides/notesSlide10.xml><?xml version="1.0" encoding="utf-8"?>
+<p:notes xmlns:a="http://schemas.openxmlformats.org/drawingml/2006/main" xmlns:r="http://schemas.openxmlformats.org/officeDocument/2006/relationships" xmlns:mc="http://schemas.openxmlformats.org/markup-compatibility/2006" xmlns:mv="urn:schemas-microsoft-com:mac:vml" xmlns:p="http://schemas.openxmlformats.org/presentationml/2006/main" xmlns:c="http://schemas.openxmlformats.org/drawingml/2006/chart" xmlns:dgm="http://schemas.openxmlformats.org/drawingml/2006/diagram" xmlns:o="urn:schemas-microsoft-com:office:office" xmlns:v="urn:schemas-microsoft-com:vml" xmlns:pvml="urn:schemas-microsoft-com:office:powerpoint" xmlns:com="http://schemas.openxmlformats.org/drawingml/2006/compatibility" xmlns:p14="http://schemas.microsoft.com/office/powerpoint/2010/main" xmlns:p15="http://schemas.microsoft.com/office/powerpoint/2012/main" showMasterPhAnim="0" showMasterSp="0">
+  <p:cSld>
+    <p:spTree>
+      <p:nvGrpSpPr>
+        <p:cNvPr id="119" name="Shape 119"/>
+        <p:cNvGrpSpPr/>
+        <p:nvPr/>
+      </p:nvGrpSpPr>
+      <p:grpSpPr>
+        <a:xfrm>
+          <a:off x="0" y="0"/>
+          <a:ext cx="0" cy="0"/>
+          <a:chOff x="0" y="0"/>
+          <a:chExt cx="0" cy="0"/>
+        </a:xfrm>
+      </p:grpSpPr>
+      <p:sp>
+        <p:nvSpPr>
+          <p:cNvPr id="120" name="Google Shape;120;g5822f542c5_0_62:notes"/>
+          <p:cNvSpPr/>
+          <p:nvPr>
+            <p:ph idx="2" type="sldImg"/>
+          </p:nvPr>
+        </p:nvSpPr>
+        <p:spPr>
+          <a:xfrm>
+            <a:off x="381300" y="685800"/>
+            <a:ext cx="6096000" cy="3429000"/>
+          </a:xfrm>
+          <a:custGeom>
+            <a:rect b="b" l="l" r="r" t="t"/>
+            <a:pathLst>
+              <a:path extrusionOk="0" h="120000" w="120000">
+                <a:moveTo>
+                  <a:pt x="0" y="0"/>
+                </a:moveTo>
+                <a:lnTo>
+                  <a:pt x="120000" y="0"/>
+                </a:lnTo>
+                <a:lnTo>
+                  <a:pt x="120000" y="120000"/>
+                </a:lnTo>
+                <a:lnTo>
+                  <a:pt x="0" y="120000"/>
+                </a:lnTo>
+                <a:close/>
+              </a:path>
+            </a:pathLst>
+          </a:custGeom>
+        </p:spPr>
+      </p:sp>
+      <p:sp>
+        <p:nvSpPr>
+          <p:cNvPr id="121" name="Google Shape;121;g5822f542c5_0_62:notes"/>
+          <p:cNvSpPr txBox="1"/>
+          <p:nvPr>
+            <p:ph idx="1" type="body"/>
+          </p:nvPr>
+        </p:nvSpPr>
+        <p:spPr>
+          <a:xfrm>
+            <a:off x="685800" y="4343400"/>
+            <a:ext cx="5486400" cy="4114800"/>
+          </a:xfrm>
+          <a:prstGeom prst="rect">
+            <a:avLst/>
+          </a:prstGeom>
+        </p:spPr>
+        <p:txBody>
+          <a:bodyPr anchorCtr="0" anchor="t" bIns="91425" lIns="91425" spcFirstLastPara="1" rIns="91425" wrap="square" tIns="91425">
+            <a:noAutofit/>
+          </a:bodyPr>
+          <a:lstStyle/>
+          <a:p>
+            <a:pPr indent="0" lvl="0" marL="0" rtl="0" algn="l">
+              <a:spcBef>
+                <a:spcPts val="0"/>
+              </a:spcBef>
+              <a:spcAft>
+                <a:spcPts val="0"/>
+              </a:spcAft>
+              <a:buNone/>
+            </a:pPr>
+            <a:r>
+              <a:t/>
+            </a:r>
+            <a:endParaRPr/>
+          </a:p>
+        </p:txBody>
+      </p:sp>
+    </p:spTree>
+  </p:cSld>
+  <p:clrMapOvr>
+    <a:masterClrMapping/>
+  </p:clrMapOvr>
+</p:notes>
+</file>
+
+<file path=ppt/notesSlides/notesSlide11.xml><?xml version="1.0" encoding="utf-8"?>
+<p:notes xmlns:a="http://schemas.openxmlformats.org/drawingml/2006/main" xmlns:r="http://schemas.openxmlformats.org/officeDocument/2006/relationships" xmlns:mc="http://schemas.openxmlformats.org/markup-compatibility/2006" xmlns:mv="urn:schemas-microsoft-com:mac:vml" xmlns:p="http://schemas.openxmlformats.org/presentationml/2006/main" xmlns:c="http://schemas.openxmlformats.org/drawingml/2006/chart" xmlns:dgm="http://schemas.openxmlformats.org/drawingml/2006/diagram" xmlns:o="urn:schemas-microsoft-com:office:office" xmlns:v="urn:schemas-microsoft-com:vml" xmlns:pvml="urn:schemas-microsoft-com:office:powerpoint" xmlns:com="http://schemas.openxmlformats.org/drawingml/2006/compatibility" xmlns:p14="http://schemas.microsoft.com/office/powerpoint/2010/main" xmlns:p15="http://schemas.microsoft.com/office/powerpoint/2012/main" showMasterPhAnim="0" showMasterSp="0">
+  <p:cSld>
+    <p:spTree>
+      <p:nvGrpSpPr>
+        <p:cNvPr id="130" name="Shape 130"/>
+        <p:cNvGrpSpPr/>
+        <p:nvPr/>
+      </p:nvGrpSpPr>
+      <p:grpSpPr>
+        <a:xfrm>
+          <a:off x="0" y="0"/>
+          <a:ext cx="0" cy="0"/>
+          <a:chOff x="0" y="0"/>
+          <a:chExt cx="0" cy="0"/>
+        </a:xfrm>
+      </p:grpSpPr>
+      <p:sp>
+        <p:nvSpPr>
+          <p:cNvPr id="131" name="Google Shape;131;g5822f542c5_0_86:notes"/>
+          <p:cNvSpPr/>
+          <p:nvPr>
+            <p:ph idx="2" type="sldImg"/>
+          </p:nvPr>
+        </p:nvSpPr>
+        <p:spPr>
+          <a:xfrm>
+            <a:off x="381300" y="685800"/>
+            <a:ext cx="6096000" cy="3429000"/>
+          </a:xfrm>
+          <a:custGeom>
+            <a:rect b="b" l="l" r="r" t="t"/>
+            <a:pathLst>
+              <a:path extrusionOk="0" h="120000" w="120000">
+                <a:moveTo>
+                  <a:pt x="0" y="0"/>
+                </a:moveTo>
+                <a:lnTo>
+                  <a:pt x="120000" y="0"/>
+                </a:lnTo>
+                <a:lnTo>
+                  <a:pt x="120000" y="120000"/>
+                </a:lnTo>
+                <a:lnTo>
+                  <a:pt x="0" y="120000"/>
+                </a:lnTo>
+                <a:close/>
+              </a:path>
+            </a:pathLst>
+          </a:custGeom>
+        </p:spPr>
+      </p:sp>
+      <p:sp>
+        <p:nvSpPr>
+          <p:cNvPr id="132" name="Google Shape;132;g5822f542c5_0_86:notes"/>
+          <p:cNvSpPr txBox="1"/>
+          <p:nvPr>
+            <p:ph idx="1" type="body"/>
+          </p:nvPr>
+        </p:nvSpPr>
+        <p:spPr>
+          <a:xfrm>
+            <a:off x="685800" y="4343400"/>
+            <a:ext cx="5486400" cy="4114800"/>
+          </a:xfrm>
+          <a:prstGeom prst="rect">
+            <a:avLst/>
+          </a:prstGeom>
+        </p:spPr>
+        <p:txBody>
+          <a:bodyPr anchorCtr="0" anchor="t" bIns="91425" lIns="91425" spcFirstLastPara="1" rIns="91425" wrap="square" tIns="91425">
+            <a:noAutofit/>
+          </a:bodyPr>
+          <a:lstStyle/>
+          <a:p>
+            <a:pPr indent="0" lvl="0" marL="0" rtl="0" algn="l">
+              <a:spcBef>
+                <a:spcPts val="0"/>
+              </a:spcBef>
+              <a:spcAft>
+                <a:spcPts val="0"/>
+              </a:spcAft>
+              <a:buNone/>
+            </a:pPr>
+            <a:r>
+              <a:t/>
+            </a:r>
+            <a:endParaRPr/>
+          </a:p>
+        </p:txBody>
+      </p:sp>
+    </p:spTree>
+  </p:cSld>
+  <p:clrMapOvr>
+    <a:masterClrMapping/>
+  </p:clrMapOvr>
+</p:notes>
+</file>
+
+<file path=ppt/notesSlides/notesSlide12.xml><?xml version="1.0" encoding="utf-8"?>
+<p:notes xmlns:a="http://schemas.openxmlformats.org/drawingml/2006/main" xmlns:r="http://schemas.openxmlformats.org/officeDocument/2006/relationships" xmlns:mc="http://schemas.openxmlformats.org/markup-compatibility/2006" xmlns:mv="urn:schemas-microsoft-com:mac:vml" xmlns:p="http://schemas.openxmlformats.org/presentationml/2006/main" xmlns:c="http://schemas.openxmlformats.org/drawingml/2006/chart" xmlns:dgm="http://schemas.openxmlformats.org/drawingml/2006/diagram" xmlns:o="urn:schemas-microsoft-com:office:office" xmlns:v="urn:schemas-microsoft-com:vml" xmlns:pvml="urn:schemas-microsoft-com:office:powerpoint" xmlns:com="http://schemas.openxmlformats.org/drawingml/2006/compatibility" xmlns:p14="http://schemas.microsoft.com/office/powerpoint/2010/main" xmlns:p15="http://schemas.microsoft.com/office/powerpoint/2012/main" showMasterPhAnim="0" showMasterSp="0">
+  <p:cSld>
+    <p:spTree>
+      <p:nvGrpSpPr>
+        <p:cNvPr id="141" name="Shape 141"/>
+        <p:cNvGrpSpPr/>
+        <p:nvPr/>
+      </p:nvGrpSpPr>
+      <p:grpSpPr>
+        <a:xfrm>
+          <a:off x="0" y="0"/>
+          <a:ext cx="0" cy="0"/>
+          <a:chOff x="0" y="0"/>
+          <a:chExt cx="0" cy="0"/>
+        </a:xfrm>
+      </p:grpSpPr>
+      <p:sp>
+        <p:nvSpPr>
+          <p:cNvPr id="142" name="Google Shape;142;g5822f542c5_0_23:notes"/>
+          <p:cNvSpPr/>
+          <p:nvPr>
+            <p:ph idx="2" type="sldImg"/>
+          </p:nvPr>
+        </p:nvSpPr>
+        <p:spPr>
+          <a:xfrm>
+            <a:off x="381300" y="685800"/>
+            <a:ext cx="6096000" cy="3429000"/>
+          </a:xfrm>
+          <a:custGeom>
+            <a:rect b="b" l="l" r="r" t="t"/>
+            <a:pathLst>
+              <a:path extrusionOk="0" h="120000" w="120000">
+                <a:moveTo>
+                  <a:pt x="0" y="0"/>
+                </a:moveTo>
+                <a:lnTo>
+                  <a:pt x="120000" y="0"/>
+                </a:lnTo>
+                <a:lnTo>
+                  <a:pt x="120000" y="120000"/>
+                </a:lnTo>
+                <a:lnTo>
+                  <a:pt x="0" y="120000"/>
+                </a:lnTo>
+                <a:close/>
+              </a:path>
+            </a:pathLst>
+          </a:custGeom>
+        </p:spPr>
+      </p:sp>
+      <p:sp>
+        <p:nvSpPr>
+          <p:cNvPr id="143" name="Google Shape;143;g5822f542c5_0_23:notes"/>
+          <p:cNvSpPr txBox="1"/>
+          <p:nvPr>
+            <p:ph idx="1" type="body"/>
+          </p:nvPr>
+        </p:nvSpPr>
+        <p:spPr>
+          <a:xfrm>
+            <a:off x="685800" y="4343400"/>
+            <a:ext cx="5486400" cy="4114800"/>
+          </a:xfrm>
+          <a:prstGeom prst="rect">
+            <a:avLst/>
+          </a:prstGeom>
+        </p:spPr>
+        <p:txBody>
+          <a:bodyPr anchorCtr="0" anchor="t" bIns="91425" lIns="91425" spcFirstLastPara="1" rIns="91425" wrap="square" tIns="91425">
+            <a:noAutofit/>
+          </a:bodyPr>
+          <a:lstStyle/>
+          <a:p>
+            <a:pPr indent="0" lvl="0" marL="0" rtl="0" algn="l">
+              <a:spcBef>
+                <a:spcPts val="0"/>
+              </a:spcBef>
+              <a:spcAft>
+                <a:spcPts val="0"/>
+              </a:spcAft>
+              <a:buNone/>
+            </a:pPr>
+            <a:r>
+              <a:t/>
+            </a:r>
+            <a:endParaRPr/>
+          </a:p>
+        </p:txBody>
+      </p:sp>
+    </p:spTree>
+  </p:cSld>
+  <p:clrMapOvr>
+    <a:masterClrMapping/>
+  </p:clrMapOvr>
+</p:notes>
+</file>
+
 <file path=ppt/notesSlides/notesSlide2.xml><?xml version="1.0" encoding="utf-8"?>
 <p:notes xmlns:a="http://schemas.openxmlformats.org/drawingml/2006/main" xmlns:r="http://schemas.openxmlformats.org/officeDocument/2006/relationships" xmlns:mc="http://schemas.openxmlformats.org/markup-compatibility/2006" xmlns:mv="urn:schemas-microsoft-com:mac:vml" xmlns:p="http://schemas.openxmlformats.org/presentationml/2006/main" xmlns:c="http://schemas.openxmlformats.org/drawingml/2006/chart" xmlns:dgm="http://schemas.openxmlformats.org/drawingml/2006/diagram" xmlns:o="urn:schemas-microsoft-com:office:office" xmlns:v="urn:schemas-microsoft-com:vml" xmlns:pvml="urn:schemas-microsoft-com:office:powerpoint" xmlns:com="http://schemas.openxmlformats.org/drawingml/2006/compatibility" xmlns:p14="http://schemas.microsoft.com/office/powerpoint/2010/main" xmlns:p15="http://schemas.microsoft.com/office/powerpoint/2012/main" showMasterPhAnim="0" showMasterSp="0">
   <p:cSld>
@@ -1206,7 +1506,7 @@
       </p:grpSpPr>
       <p:sp>
         <p:nvSpPr>
-          <p:cNvPr id="94" name="Google Shape;94;g5822f542c5_0_13:notes"/>
+          <p:cNvPr id="94" name="Google Shape;94;g5822f542c5_0_81:notes"/>
           <p:cNvSpPr/>
           <p:nvPr>
             <p:ph idx="2" type="sldImg"/>
@@ -1241,7 +1541,7 @@
       </p:sp>
       <p:sp>
         <p:nvSpPr>
-          <p:cNvPr id="95" name="Google Shape;95;g5822f542c5_0_13:notes"/>
+          <p:cNvPr id="95" name="Google Shape;95;g5822f542c5_0_81:notes"/>
           <p:cNvSpPr txBox="1"/>
           <p:nvPr>
             <p:ph idx="1" type="body"/>
@@ -1291,7 +1591,7 @@
   <p:cSld>
     <p:spTree>
       <p:nvGrpSpPr>
-        <p:cNvPr id="100" name="Shape 100"/>
+        <p:cNvPr id="99" name="Shape 99"/>
         <p:cNvGrpSpPr/>
         <p:nvPr/>
       </p:nvGrpSpPr>
@@ -1305,7 +1605,7 @@
       </p:grpSpPr>
       <p:sp>
         <p:nvSpPr>
-          <p:cNvPr id="101" name="Google Shape;101;g5822f542c5_0_51:notes"/>
+          <p:cNvPr id="100" name="Google Shape;100;g5822f542c5_0_13:notes"/>
           <p:cNvSpPr/>
           <p:nvPr>
             <p:ph idx="2" type="sldImg"/>
@@ -1340,7 +1640,7 @@
       </p:sp>
       <p:sp>
         <p:nvSpPr>
-          <p:cNvPr id="102" name="Google Shape;102;g5822f542c5_0_51:notes"/>
+          <p:cNvPr id="101" name="Google Shape;101;g5822f542c5_0_13:notes"/>
           <p:cNvSpPr txBox="1"/>
           <p:nvPr>
             <p:ph idx="1" type="body"/>
@@ -1390,7 +1690,7 @@
   <p:cSld>
     <p:spTree>
       <p:nvGrpSpPr>
-        <p:cNvPr id="107" name="Shape 107"/>
+        <p:cNvPr id="106" name="Shape 106"/>
         <p:cNvGrpSpPr/>
         <p:nvPr/>
       </p:nvGrpSpPr>
@@ -1404,7 +1704,7 @@
       </p:grpSpPr>
       <p:sp>
         <p:nvSpPr>
-          <p:cNvPr id="108" name="Google Shape;108;g5822f542c5_0_18:notes"/>
+          <p:cNvPr id="107" name="Google Shape;107;g5822f542c5_0_51:notes"/>
           <p:cNvSpPr/>
           <p:nvPr>
             <p:ph idx="2" type="sldImg"/>
@@ -1439,7 +1739,7 @@
       </p:sp>
       <p:sp>
         <p:nvSpPr>
-          <p:cNvPr id="109" name="Google Shape;109;g5822f542c5_0_18:notes"/>
+          <p:cNvPr id="108" name="Google Shape;108;g5822f542c5_0_51:notes"/>
           <p:cNvSpPr txBox="1"/>
           <p:nvPr>
             <p:ph idx="1" type="body"/>
@@ -1503,7 +1803,7 @@
       </p:grpSpPr>
       <p:sp>
         <p:nvSpPr>
-          <p:cNvPr id="114" name="Google Shape;114;g5822f542c5_0_23:notes"/>
+          <p:cNvPr id="114" name="Google Shape;114;g5822f542c5_0_18:notes"/>
           <p:cNvSpPr/>
           <p:nvPr>
             <p:ph idx="2" type="sldImg"/>
@@ -1538,7 +1838,7 @@
       </p:sp>
       <p:sp>
         <p:nvSpPr>
-          <p:cNvPr id="115" name="Google Shape;115;g5822f542c5_0_23:notes"/>
+          <p:cNvPr id="115" name="Google Shape;115;g5822f542c5_0_18:notes"/>
           <p:cNvSpPr txBox="1"/>
           <p:nvPr>
             <p:ph idx="1" type="body"/>
@@ -6356,6 +6656,890 @@
 </p:sld>
 </file>
 
+<file path=ppt/slides/slide10.xml><?xml version="1.0" encoding="utf-8"?>
+<p:sld xmlns:a="http://schemas.openxmlformats.org/drawingml/2006/main" xmlns:r="http://schemas.openxmlformats.org/officeDocument/2006/relationships" xmlns:mc="http://schemas.openxmlformats.org/markup-compatibility/2006" xmlns:mv="urn:schemas-microsoft-com:mac:vml" xmlns:p="http://schemas.openxmlformats.org/presentationml/2006/main" xmlns:c="http://schemas.openxmlformats.org/drawingml/2006/chart" xmlns:dgm="http://schemas.openxmlformats.org/drawingml/2006/diagram" xmlns:o="urn:schemas-microsoft-com:office:office" xmlns:v="urn:schemas-microsoft-com:vml" xmlns:pvml="urn:schemas-microsoft-com:office:powerpoint" xmlns:com="http://schemas.openxmlformats.org/drawingml/2006/compatibility" xmlns:p14="http://schemas.microsoft.com/office/powerpoint/2010/main" xmlns:p15="http://schemas.microsoft.com/office/powerpoint/2012/main">
+  <p:cSld>
+    <p:spTree>
+      <p:nvGrpSpPr>
+        <p:cNvPr id="122" name="Shape 122"/>
+        <p:cNvGrpSpPr/>
+        <p:nvPr/>
+      </p:nvGrpSpPr>
+      <p:grpSpPr>
+        <a:xfrm>
+          <a:off x="0" y="0"/>
+          <a:ext cx="0" cy="0"/>
+          <a:chOff x="0" y="0"/>
+          <a:chExt cx="0" cy="0"/>
+        </a:xfrm>
+      </p:grpSpPr>
+      <p:sp>
+        <p:nvSpPr>
+          <p:cNvPr id="123" name="Google Shape;123;p22"/>
+          <p:cNvSpPr txBox="1"/>
+          <p:nvPr>
+            <p:ph type="title"/>
+          </p:nvPr>
+        </p:nvSpPr>
+        <p:spPr>
+          <a:xfrm>
+            <a:off x="311700" y="445025"/>
+            <a:ext cx="8520600" cy="572700"/>
+          </a:xfrm>
+          <a:prstGeom prst="rect">
+            <a:avLst/>
+          </a:prstGeom>
+        </p:spPr>
+        <p:txBody>
+          <a:bodyPr anchorCtr="0" anchor="t" bIns="91425" lIns="91425" spcFirstLastPara="1" rIns="91425" wrap="square" tIns="91425">
+            <a:noAutofit/>
+          </a:bodyPr>
+          <a:lstStyle/>
+          <a:p>
+            <a:pPr indent="0" lvl="0" marL="0" rtl="0" algn="l">
+              <a:spcBef>
+                <a:spcPts val="0"/>
+              </a:spcBef>
+              <a:spcAft>
+                <a:spcPts val="0"/>
+              </a:spcAft>
+              <a:buNone/>
+            </a:pPr>
+            <a:r>
+              <a:rPr lang="en"/>
+              <a:t>API &amp; Function</a:t>
+            </a:r>
+            <a:endParaRPr/>
+          </a:p>
+        </p:txBody>
+      </p:sp>
+      <p:sp>
+        <p:nvSpPr>
+          <p:cNvPr id="124" name="Google Shape;124;p22"/>
+          <p:cNvSpPr txBox="1"/>
+          <p:nvPr>
+            <p:ph idx="1" type="body"/>
+          </p:nvPr>
+        </p:nvSpPr>
+        <p:spPr>
+          <a:xfrm>
+            <a:off x="1182450" y="1296075"/>
+            <a:ext cx="6779100" cy="986100"/>
+          </a:xfrm>
+          <a:prstGeom prst="rect">
+            <a:avLst/>
+          </a:prstGeom>
+        </p:spPr>
+        <p:txBody>
+          <a:bodyPr anchorCtr="0" anchor="t" bIns="91425" lIns="91425" spcFirstLastPara="1" rIns="91425" wrap="square" tIns="91425">
+            <a:noAutofit/>
+          </a:bodyPr>
+          <a:lstStyle/>
+          <a:p>
+            <a:pPr indent="0" lvl="0" marL="0" rtl="0" algn="l">
+              <a:spcBef>
+                <a:spcPts val="0"/>
+              </a:spcBef>
+              <a:spcAft>
+                <a:spcPts val="0"/>
+              </a:spcAft>
+              <a:buNone/>
+            </a:pPr>
+            <a:r>
+              <a:rPr lang="en"/>
+              <a:t>Given 9 champions, system can give the champion that is with the highest win rate</a:t>
+            </a:r>
+            <a:endParaRPr/>
+          </a:p>
+          <a:p>
+            <a:pPr indent="0" lvl="0" marL="0" rtl="0" algn="l">
+              <a:spcBef>
+                <a:spcPts val="1600"/>
+              </a:spcBef>
+              <a:spcAft>
+                <a:spcPts val="1600"/>
+              </a:spcAft>
+              <a:buNone/>
+            </a:pPr>
+            <a:r>
+              <a:rPr lang="en"/>
+              <a:t>E.g. </a:t>
+            </a:r>
+            <a:endParaRPr/>
+          </a:p>
+        </p:txBody>
+      </p:sp>
+      <p:sp>
+        <p:nvSpPr>
+          <p:cNvPr id="125" name="Google Shape;125;p22"/>
+          <p:cNvSpPr txBox="1"/>
+          <p:nvPr/>
+        </p:nvSpPr>
+        <p:spPr>
+          <a:xfrm>
+            <a:off x="3706451" y="2560525"/>
+            <a:ext cx="3941400" cy="431100"/>
+          </a:xfrm>
+          <a:prstGeom prst="rect">
+            <a:avLst/>
+          </a:prstGeom>
+          <a:noFill/>
+          <a:ln>
+            <a:noFill/>
+          </a:ln>
+        </p:spPr>
+        <p:txBody>
+          <a:bodyPr anchorCtr="0" anchor="t" bIns="91425" lIns="91425" spcFirstLastPara="1" rIns="91425" wrap="square" tIns="91425">
+            <a:noAutofit/>
+          </a:bodyPr>
+          <a:lstStyle/>
+          <a:p>
+            <a:pPr indent="0" lvl="0" marL="0" rtl="0" algn="l">
+              <a:spcBef>
+                <a:spcPts val="0"/>
+              </a:spcBef>
+              <a:spcAft>
+                <a:spcPts val="0"/>
+              </a:spcAft>
+              <a:buNone/>
+            </a:pPr>
+            <a:r>
+              <a:rPr lang="en" sz="1800"/>
+              <a:t>150,</a:t>
+            </a:r>
+            <a:r>
+              <a:rPr lang="en" sz="1800">
+                <a:solidFill>
+                  <a:srgbClr val="FF0000"/>
+                </a:solidFill>
+              </a:rPr>
+              <a:t>0</a:t>
+            </a:r>
+            <a:r>
+              <a:rPr lang="en" sz="1800"/>
+              <a:t>,157,29,161 | 75,203,7,110,43</a:t>
+            </a:r>
+            <a:endParaRPr sz="1800"/>
+          </a:p>
+        </p:txBody>
+      </p:sp>
+      <p:sp>
+        <p:nvSpPr>
+          <p:cNvPr id="126" name="Google Shape;126;p22"/>
+          <p:cNvSpPr txBox="1"/>
+          <p:nvPr/>
+        </p:nvSpPr>
+        <p:spPr>
+          <a:xfrm>
+            <a:off x="4229488" y="3496200"/>
+            <a:ext cx="2895300" cy="431100"/>
+          </a:xfrm>
+          <a:prstGeom prst="rect">
+            <a:avLst/>
+          </a:prstGeom>
+          <a:noFill/>
+          <a:ln>
+            <a:noFill/>
+          </a:ln>
+        </p:spPr>
+        <p:txBody>
+          <a:bodyPr anchorCtr="0" anchor="t" bIns="91425" lIns="91425" spcFirstLastPara="1" rIns="91425" wrap="square" tIns="91425">
+            <a:noAutofit/>
+          </a:bodyPr>
+          <a:lstStyle/>
+          <a:p>
+            <a:pPr indent="0" lvl="0" marL="0" rtl="0" algn="ctr">
+              <a:spcBef>
+                <a:spcPts val="0"/>
+              </a:spcBef>
+              <a:spcAft>
+                <a:spcPts val="0"/>
+              </a:spcAft>
+              <a:buNone/>
+            </a:pPr>
+            <a:r>
+              <a:rPr lang="en" sz="1800"/>
+              <a:t>(39,0.7225301178126661)</a:t>
+            </a:r>
+            <a:endParaRPr sz="1800"/>
+          </a:p>
+        </p:txBody>
+      </p:sp>
+      <p:sp>
+        <p:nvSpPr>
+          <p:cNvPr id="127" name="Google Shape;127;p22"/>
+          <p:cNvSpPr txBox="1"/>
+          <p:nvPr/>
+        </p:nvSpPr>
+        <p:spPr>
+          <a:xfrm>
+            <a:off x="1943688" y="2560525"/>
+            <a:ext cx="1290000" cy="431100"/>
+          </a:xfrm>
+          <a:prstGeom prst="rect">
+            <a:avLst/>
+          </a:prstGeom>
+          <a:noFill/>
+          <a:ln>
+            <a:noFill/>
+          </a:ln>
+        </p:spPr>
+        <p:txBody>
+          <a:bodyPr anchorCtr="0" anchor="t" bIns="91425" lIns="91425" spcFirstLastPara="1" rIns="91425" wrap="square" tIns="91425">
+            <a:noAutofit/>
+          </a:bodyPr>
+          <a:lstStyle/>
+          <a:p>
+            <a:pPr indent="0" lvl="0" marL="0" rtl="0" algn="l">
+              <a:spcBef>
+                <a:spcPts val="0"/>
+              </a:spcBef>
+              <a:spcAft>
+                <a:spcPts val="0"/>
+              </a:spcAft>
+              <a:buNone/>
+            </a:pPr>
+            <a:r>
+              <a:rPr lang="en" sz="1800"/>
+              <a:t>Input:</a:t>
+            </a:r>
+            <a:endParaRPr sz="1800"/>
+          </a:p>
+        </p:txBody>
+      </p:sp>
+      <p:sp>
+        <p:nvSpPr>
+          <p:cNvPr id="128" name="Google Shape;128;p22"/>
+          <p:cNvSpPr txBox="1"/>
+          <p:nvPr/>
+        </p:nvSpPr>
+        <p:spPr>
+          <a:xfrm>
+            <a:off x="1662063" y="3496200"/>
+            <a:ext cx="2114700" cy="431100"/>
+          </a:xfrm>
+          <a:prstGeom prst="rect">
+            <a:avLst/>
+          </a:prstGeom>
+          <a:noFill/>
+          <a:ln>
+            <a:noFill/>
+          </a:ln>
+        </p:spPr>
+        <p:txBody>
+          <a:bodyPr anchorCtr="0" anchor="t" bIns="91425" lIns="91425" spcFirstLastPara="1" rIns="91425" wrap="square" tIns="91425">
+            <a:noAutofit/>
+          </a:bodyPr>
+          <a:lstStyle/>
+          <a:p>
+            <a:pPr indent="0" lvl="0" marL="0" rtl="0" algn="l">
+              <a:spcBef>
+                <a:spcPts val="0"/>
+              </a:spcBef>
+              <a:spcAft>
+                <a:spcPts val="0"/>
+              </a:spcAft>
+              <a:buNone/>
+            </a:pPr>
+            <a:r>
+              <a:rPr lang="en" sz="1800"/>
+              <a:t>Recommendation</a:t>
+            </a:r>
+            <a:r>
+              <a:rPr lang="en" sz="1800"/>
+              <a:t>:</a:t>
+            </a:r>
+            <a:endParaRPr sz="1800"/>
+          </a:p>
+        </p:txBody>
+      </p:sp>
+      <p:cxnSp>
+        <p:nvCxnSpPr>
+          <p:cNvPr id="129" name="Google Shape;129;p22"/>
+          <p:cNvCxnSpPr>
+            <a:stCxn id="125" idx="2"/>
+            <a:endCxn id="126" idx="0"/>
+          </p:cNvCxnSpPr>
+          <p:nvPr/>
+        </p:nvCxnSpPr>
+        <p:spPr>
+          <a:xfrm>
+            <a:off x="5677151" y="2991625"/>
+            <a:ext cx="0" cy="504600"/>
+          </a:xfrm>
+          <a:prstGeom prst="straightConnector1">
+            <a:avLst/>
+          </a:prstGeom>
+          <a:noFill/>
+          <a:ln cap="flat" cmpd="sng" w="28575">
+            <a:solidFill>
+              <a:schemeClr val="dk2"/>
+            </a:solidFill>
+            <a:prstDash val="solid"/>
+            <a:round/>
+            <a:headEnd len="med" w="med" type="none"/>
+            <a:tailEnd len="med" w="med" type="triangle"/>
+          </a:ln>
+        </p:spPr>
+      </p:cxnSp>
+    </p:spTree>
+  </p:cSld>
+  <p:clrMapOvr>
+    <a:masterClrMapping/>
+  </p:clrMapOvr>
+</p:sld>
+</file>
+
+<file path=ppt/slides/slide11.xml><?xml version="1.0" encoding="utf-8"?>
+<p:sld xmlns:a="http://schemas.openxmlformats.org/drawingml/2006/main" xmlns:r="http://schemas.openxmlformats.org/officeDocument/2006/relationships" xmlns:mc="http://schemas.openxmlformats.org/markup-compatibility/2006" xmlns:mv="urn:schemas-microsoft-com:mac:vml" xmlns:p="http://schemas.openxmlformats.org/presentationml/2006/main" xmlns:c="http://schemas.openxmlformats.org/drawingml/2006/chart" xmlns:dgm="http://schemas.openxmlformats.org/drawingml/2006/diagram" xmlns:o="urn:schemas-microsoft-com:office:office" xmlns:v="urn:schemas-microsoft-com:vml" xmlns:pvml="urn:schemas-microsoft-com:office:powerpoint" xmlns:com="http://schemas.openxmlformats.org/drawingml/2006/compatibility" xmlns:p14="http://schemas.microsoft.com/office/powerpoint/2010/main" xmlns:p15="http://schemas.microsoft.com/office/powerpoint/2012/main">
+  <p:cSld>
+    <p:spTree>
+      <p:nvGrpSpPr>
+        <p:cNvPr id="133" name="Shape 133"/>
+        <p:cNvGrpSpPr/>
+        <p:nvPr/>
+      </p:nvGrpSpPr>
+      <p:grpSpPr>
+        <a:xfrm>
+          <a:off x="0" y="0"/>
+          <a:ext cx="0" cy="0"/>
+          <a:chOff x="0" y="0"/>
+          <a:chExt cx="0" cy="0"/>
+        </a:xfrm>
+      </p:grpSpPr>
+      <p:sp>
+        <p:nvSpPr>
+          <p:cNvPr id="134" name="Google Shape;134;p23"/>
+          <p:cNvSpPr txBox="1"/>
+          <p:nvPr>
+            <p:ph idx="1" type="body"/>
+          </p:nvPr>
+        </p:nvSpPr>
+        <p:spPr>
+          <a:xfrm>
+            <a:off x="1132825" y="1195225"/>
+            <a:ext cx="7254300" cy="1001700"/>
+          </a:xfrm>
+          <a:prstGeom prst="rect">
+            <a:avLst/>
+          </a:prstGeom>
+        </p:spPr>
+        <p:txBody>
+          <a:bodyPr anchorCtr="0" anchor="t" bIns="91425" lIns="91425" spcFirstLastPara="1" rIns="91425" wrap="square" tIns="91425">
+            <a:noAutofit/>
+          </a:bodyPr>
+          <a:lstStyle/>
+          <a:p>
+            <a:pPr indent="0" lvl="0" marL="0" rtl="0" algn="l">
+              <a:spcBef>
+                <a:spcPts val="0"/>
+              </a:spcBef>
+              <a:spcAft>
+                <a:spcPts val="0"/>
+              </a:spcAft>
+              <a:buNone/>
+            </a:pPr>
+            <a:r>
+              <a:rPr lang="en"/>
+              <a:t>Given any number of champions, system will give recommendations on champion pick. (based on Genetic Algorithm)</a:t>
+            </a:r>
+            <a:endParaRPr/>
+          </a:p>
+          <a:p>
+            <a:pPr indent="0" lvl="0" marL="0" rtl="0" algn="l">
+              <a:spcBef>
+                <a:spcPts val="1600"/>
+              </a:spcBef>
+              <a:spcAft>
+                <a:spcPts val="1600"/>
+              </a:spcAft>
+              <a:buNone/>
+            </a:pPr>
+            <a:r>
+              <a:rPr lang="en"/>
+              <a:t>E.g. </a:t>
+            </a:r>
+            <a:endParaRPr/>
+          </a:p>
+        </p:txBody>
+      </p:sp>
+      <p:sp>
+        <p:nvSpPr>
+          <p:cNvPr id="135" name="Google Shape;135;p23"/>
+          <p:cNvSpPr txBox="1"/>
+          <p:nvPr>
+            <p:ph type="title"/>
+          </p:nvPr>
+        </p:nvSpPr>
+        <p:spPr>
+          <a:xfrm>
+            <a:off x="311700" y="445025"/>
+            <a:ext cx="8520600" cy="572700"/>
+          </a:xfrm>
+          <a:prstGeom prst="rect">
+            <a:avLst/>
+          </a:prstGeom>
+        </p:spPr>
+        <p:txBody>
+          <a:bodyPr anchorCtr="0" anchor="t" bIns="91425" lIns="91425" spcFirstLastPara="1" rIns="91425" wrap="square" tIns="91425">
+            <a:noAutofit/>
+          </a:bodyPr>
+          <a:lstStyle/>
+          <a:p>
+            <a:pPr indent="0" lvl="0" marL="0" rtl="0" algn="l">
+              <a:spcBef>
+                <a:spcPts val="0"/>
+              </a:spcBef>
+              <a:spcAft>
+                <a:spcPts val="0"/>
+              </a:spcAft>
+              <a:buNone/>
+            </a:pPr>
+            <a:r>
+              <a:rPr lang="en"/>
+              <a:t>API &amp; Function</a:t>
+            </a:r>
+            <a:endParaRPr/>
+          </a:p>
+        </p:txBody>
+      </p:sp>
+      <p:sp>
+        <p:nvSpPr>
+          <p:cNvPr id="136" name="Google Shape;136;p23"/>
+          <p:cNvSpPr txBox="1"/>
+          <p:nvPr/>
+        </p:nvSpPr>
+        <p:spPr>
+          <a:xfrm>
+            <a:off x="4108750" y="2560525"/>
+            <a:ext cx="3620400" cy="431100"/>
+          </a:xfrm>
+          <a:prstGeom prst="rect">
+            <a:avLst/>
+          </a:prstGeom>
+          <a:noFill/>
+          <a:ln>
+            <a:noFill/>
+          </a:ln>
+        </p:spPr>
+        <p:txBody>
+          <a:bodyPr anchorCtr="0" anchor="t" bIns="91425" lIns="91425" spcFirstLastPara="1" rIns="91425" wrap="square" tIns="91425">
+            <a:noAutofit/>
+          </a:bodyPr>
+          <a:lstStyle/>
+          <a:p>
+            <a:pPr indent="0" lvl="0" marL="0" rtl="0" algn="l">
+              <a:spcBef>
+                <a:spcPts val="0"/>
+              </a:spcBef>
+              <a:spcAft>
+                <a:spcPts val="0"/>
+              </a:spcAft>
+              <a:buNone/>
+            </a:pPr>
+            <a:r>
+              <a:rPr lang="en" sz="1800"/>
+              <a:t>150,</a:t>
+            </a:r>
+            <a:r>
+              <a:rPr lang="en" sz="1800">
+                <a:solidFill>
+                  <a:srgbClr val="FF0000"/>
+                </a:solidFill>
+              </a:rPr>
+              <a:t>0</a:t>
+            </a:r>
+            <a:r>
+              <a:rPr lang="en" sz="1800"/>
+              <a:t>,</a:t>
+            </a:r>
+            <a:r>
+              <a:rPr lang="en" sz="1800">
+                <a:solidFill>
+                  <a:srgbClr val="FF0000"/>
+                </a:solidFill>
+              </a:rPr>
+              <a:t>0</a:t>
+            </a:r>
+            <a:r>
+              <a:rPr lang="en" sz="1800"/>
+              <a:t>,29,</a:t>
+            </a:r>
+            <a:r>
+              <a:rPr lang="en" sz="1800">
+                <a:solidFill>
+                  <a:srgbClr val="FF0000"/>
+                </a:solidFill>
+              </a:rPr>
+              <a:t>0</a:t>
+            </a:r>
+            <a:r>
+              <a:rPr lang="en" sz="1800"/>
+              <a:t> </a:t>
+            </a:r>
+            <a:r>
+              <a:rPr lang="en" sz="1800">
+                <a:solidFill>
+                  <a:srgbClr val="F1C232"/>
+                </a:solidFill>
+              </a:rPr>
+              <a:t>V.S.</a:t>
+            </a:r>
+            <a:r>
+              <a:rPr lang="en" sz="1800"/>
+              <a:t> 75,</a:t>
+            </a:r>
+            <a:r>
+              <a:rPr lang="en" sz="1800">
+                <a:solidFill>
+                  <a:srgbClr val="FF0000"/>
+                </a:solidFill>
+              </a:rPr>
+              <a:t>0</a:t>
+            </a:r>
+            <a:r>
+              <a:rPr lang="en" sz="1800"/>
+              <a:t>,7,</a:t>
+            </a:r>
+            <a:r>
+              <a:rPr lang="en" sz="1800">
+                <a:solidFill>
+                  <a:srgbClr val="FF0000"/>
+                </a:solidFill>
+              </a:rPr>
+              <a:t>0</a:t>
+            </a:r>
+            <a:r>
+              <a:rPr lang="en" sz="1800"/>
+              <a:t>,43</a:t>
+            </a:r>
+            <a:endParaRPr sz="1800"/>
+          </a:p>
+        </p:txBody>
+      </p:sp>
+      <p:sp>
+        <p:nvSpPr>
+          <p:cNvPr id="137" name="Google Shape;137;p23"/>
+          <p:cNvSpPr txBox="1"/>
+          <p:nvPr/>
+        </p:nvSpPr>
+        <p:spPr>
+          <a:xfrm>
+            <a:off x="3696700" y="3537325"/>
+            <a:ext cx="4444500" cy="431100"/>
+          </a:xfrm>
+          <a:prstGeom prst="rect">
+            <a:avLst/>
+          </a:prstGeom>
+          <a:noFill/>
+          <a:ln>
+            <a:noFill/>
+          </a:ln>
+        </p:spPr>
+        <p:txBody>
+          <a:bodyPr anchorCtr="0" anchor="t" bIns="91425" lIns="91425" spcFirstLastPara="1" rIns="91425" wrap="square" tIns="91425">
+            <a:noAutofit/>
+          </a:bodyPr>
+          <a:lstStyle/>
+          <a:p>
+            <a:pPr indent="0" lvl="0" marL="0" rtl="0" algn="ctr">
+              <a:spcBef>
+                <a:spcPts val="0"/>
+              </a:spcBef>
+              <a:spcAft>
+                <a:spcPts val="0"/>
+              </a:spcAft>
+              <a:buNone/>
+            </a:pPr>
+            <a:r>
+              <a:rPr lang="en" sz="1800"/>
+              <a:t>150,20,157,29,161 </a:t>
+            </a:r>
+            <a:r>
+              <a:rPr lang="en" sz="1800">
+                <a:solidFill>
+                  <a:srgbClr val="F1C232"/>
+                </a:solidFill>
+              </a:rPr>
+              <a:t>V.S.</a:t>
+            </a:r>
+            <a:r>
+              <a:rPr lang="en" sz="1800"/>
+              <a:t> 75,203,7,110,43</a:t>
+            </a:r>
+            <a:endParaRPr sz="1800"/>
+          </a:p>
+        </p:txBody>
+      </p:sp>
+      <p:sp>
+        <p:nvSpPr>
+          <p:cNvPr id="138" name="Google Shape;138;p23"/>
+          <p:cNvSpPr txBox="1"/>
+          <p:nvPr/>
+        </p:nvSpPr>
+        <p:spPr>
+          <a:xfrm>
+            <a:off x="1926088" y="2560513"/>
+            <a:ext cx="1290000" cy="431100"/>
+          </a:xfrm>
+          <a:prstGeom prst="rect">
+            <a:avLst/>
+          </a:prstGeom>
+          <a:noFill/>
+          <a:ln>
+            <a:noFill/>
+          </a:ln>
+        </p:spPr>
+        <p:txBody>
+          <a:bodyPr anchorCtr="0" anchor="t" bIns="91425" lIns="91425" spcFirstLastPara="1" rIns="91425" wrap="square" tIns="91425">
+            <a:noAutofit/>
+          </a:bodyPr>
+          <a:lstStyle/>
+          <a:p>
+            <a:pPr indent="0" lvl="0" marL="0" rtl="0" algn="l">
+              <a:spcBef>
+                <a:spcPts val="0"/>
+              </a:spcBef>
+              <a:spcAft>
+                <a:spcPts val="0"/>
+              </a:spcAft>
+              <a:buNone/>
+            </a:pPr>
+            <a:r>
+              <a:rPr lang="en" sz="1800"/>
+              <a:t>Input:</a:t>
+            </a:r>
+            <a:endParaRPr sz="1800"/>
+          </a:p>
+        </p:txBody>
+      </p:sp>
+      <p:sp>
+        <p:nvSpPr>
+          <p:cNvPr id="139" name="Google Shape;139;p23"/>
+          <p:cNvSpPr txBox="1"/>
+          <p:nvPr/>
+        </p:nvSpPr>
+        <p:spPr>
+          <a:xfrm>
+            <a:off x="1380438" y="3537325"/>
+            <a:ext cx="2114700" cy="431100"/>
+          </a:xfrm>
+          <a:prstGeom prst="rect">
+            <a:avLst/>
+          </a:prstGeom>
+          <a:noFill/>
+          <a:ln>
+            <a:noFill/>
+          </a:ln>
+        </p:spPr>
+        <p:txBody>
+          <a:bodyPr anchorCtr="0" anchor="t" bIns="91425" lIns="91425" spcFirstLastPara="1" rIns="91425" wrap="square" tIns="91425">
+            <a:noAutofit/>
+          </a:bodyPr>
+          <a:lstStyle/>
+          <a:p>
+            <a:pPr indent="0" lvl="0" marL="0" rtl="0" algn="l">
+              <a:spcBef>
+                <a:spcPts val="0"/>
+              </a:spcBef>
+              <a:spcAft>
+                <a:spcPts val="0"/>
+              </a:spcAft>
+              <a:buNone/>
+            </a:pPr>
+            <a:r>
+              <a:rPr lang="en" sz="1800"/>
+              <a:t>Recommendation:</a:t>
+            </a:r>
+            <a:endParaRPr sz="1800"/>
+          </a:p>
+        </p:txBody>
+      </p:sp>
+      <p:cxnSp>
+        <p:nvCxnSpPr>
+          <p:cNvPr id="140" name="Google Shape;140;p23"/>
+          <p:cNvCxnSpPr>
+            <a:stCxn id="136" idx="2"/>
+            <a:endCxn id="137" idx="0"/>
+          </p:cNvCxnSpPr>
+          <p:nvPr/>
+        </p:nvCxnSpPr>
+        <p:spPr>
+          <a:xfrm>
+            <a:off x="5918950" y="2991625"/>
+            <a:ext cx="0" cy="545700"/>
+          </a:xfrm>
+          <a:prstGeom prst="straightConnector1">
+            <a:avLst/>
+          </a:prstGeom>
+          <a:noFill/>
+          <a:ln cap="flat" cmpd="sng" w="28575">
+            <a:solidFill>
+              <a:schemeClr val="dk2"/>
+            </a:solidFill>
+            <a:prstDash val="solid"/>
+            <a:round/>
+            <a:headEnd len="med" w="med" type="none"/>
+            <a:tailEnd len="med" w="med" type="triangle"/>
+          </a:ln>
+        </p:spPr>
+      </p:cxnSp>
+    </p:spTree>
+  </p:cSld>
+  <p:clrMapOvr>
+    <a:masterClrMapping/>
+  </p:clrMapOvr>
+</p:sld>
+</file>
+
+<file path=ppt/slides/slide12.xml><?xml version="1.0" encoding="utf-8"?>
+<p:sld xmlns:a="http://schemas.openxmlformats.org/drawingml/2006/main" xmlns:r="http://schemas.openxmlformats.org/officeDocument/2006/relationships" xmlns:mc="http://schemas.openxmlformats.org/markup-compatibility/2006" xmlns:mv="urn:schemas-microsoft-com:mac:vml" xmlns:p="http://schemas.openxmlformats.org/presentationml/2006/main" xmlns:c="http://schemas.openxmlformats.org/drawingml/2006/chart" xmlns:dgm="http://schemas.openxmlformats.org/drawingml/2006/diagram" xmlns:o="urn:schemas-microsoft-com:office:office" xmlns:v="urn:schemas-microsoft-com:vml" xmlns:pvml="urn:schemas-microsoft-com:office:powerpoint" xmlns:com="http://schemas.openxmlformats.org/drawingml/2006/compatibility" xmlns:p14="http://schemas.microsoft.com/office/powerpoint/2010/main" xmlns:p15="http://schemas.microsoft.com/office/powerpoint/2012/main">
+  <p:cSld>
+    <p:spTree>
+      <p:nvGrpSpPr>
+        <p:cNvPr id="144" name="Shape 144"/>
+        <p:cNvGrpSpPr/>
+        <p:nvPr/>
+      </p:nvGrpSpPr>
+      <p:grpSpPr>
+        <a:xfrm>
+          <a:off x="0" y="0"/>
+          <a:ext cx="0" cy="0"/>
+          <a:chOff x="0" y="0"/>
+          <a:chExt cx="0" cy="0"/>
+        </a:xfrm>
+      </p:grpSpPr>
+      <p:sp>
+        <p:nvSpPr>
+          <p:cNvPr id="145" name="Google Shape;145;p24"/>
+          <p:cNvSpPr txBox="1"/>
+          <p:nvPr>
+            <p:ph idx="4294967295" type="ctrTitle"/>
+          </p:nvPr>
+        </p:nvSpPr>
+        <p:spPr>
+          <a:xfrm>
+            <a:off x="311700" y="1765225"/>
+            <a:ext cx="8520600" cy="1012200"/>
+          </a:xfrm>
+          <a:prstGeom prst="rect">
+            <a:avLst/>
+          </a:prstGeom>
+        </p:spPr>
+        <p:txBody>
+          <a:bodyPr anchorCtr="0" anchor="t" bIns="91425" lIns="91425" spcFirstLastPara="1" rIns="91425" wrap="square" tIns="91425">
+            <a:noAutofit/>
+          </a:bodyPr>
+          <a:lstStyle/>
+          <a:p>
+            <a:pPr indent="0" lvl="0" marL="0" rtl="0" algn="ctr">
+              <a:spcBef>
+                <a:spcPts val="0"/>
+              </a:spcBef>
+              <a:spcAft>
+                <a:spcPts val="0"/>
+              </a:spcAft>
+              <a:buNone/>
+            </a:pPr>
+            <a:r>
+              <a:rPr lang="en" sz="4800"/>
+              <a:t>End</a:t>
+            </a:r>
+            <a:endParaRPr sz="4800"/>
+          </a:p>
+        </p:txBody>
+      </p:sp>
+      <p:sp>
+        <p:nvSpPr>
+          <p:cNvPr id="146" name="Google Shape;146;p24"/>
+          <p:cNvSpPr txBox="1"/>
+          <p:nvPr>
+            <p:ph idx="4294967295" type="subTitle"/>
+          </p:nvPr>
+        </p:nvSpPr>
+        <p:spPr>
+          <a:xfrm>
+            <a:off x="1185600" y="3186150"/>
+            <a:ext cx="6772800" cy="1096200"/>
+          </a:xfrm>
+          <a:prstGeom prst="rect">
+            <a:avLst/>
+          </a:prstGeom>
+        </p:spPr>
+        <p:txBody>
+          <a:bodyPr anchorCtr="0" anchor="t" bIns="91425" lIns="91425" spcFirstLastPara="1" rIns="91425" wrap="square" tIns="91425">
+            <a:noAutofit/>
+          </a:bodyPr>
+          <a:lstStyle/>
+          <a:p>
+            <a:pPr indent="0" lvl="0" marL="0" rtl="0" algn="r">
+              <a:spcBef>
+                <a:spcPts val="0"/>
+              </a:spcBef>
+              <a:spcAft>
+                <a:spcPts val="0"/>
+              </a:spcAft>
+              <a:buNone/>
+            </a:pPr>
+            <a:r>
+              <a:rPr lang="en" sz="1800"/>
+              <a:t>Xuanshan Xiao</a:t>
+            </a:r>
+            <a:endParaRPr sz="1800"/>
+          </a:p>
+          <a:p>
+            <a:pPr indent="0" lvl="0" marL="0" rtl="0" algn="r">
+              <a:spcBef>
+                <a:spcPts val="1600"/>
+              </a:spcBef>
+              <a:spcAft>
+                <a:spcPts val="1600"/>
+              </a:spcAft>
+              <a:buNone/>
+            </a:pPr>
+            <a:r>
+              <a:rPr lang="en" sz="1800"/>
+              <a:t>Lei Liu</a:t>
+            </a:r>
+            <a:endParaRPr sz="1800"/>
+          </a:p>
+        </p:txBody>
+      </p:sp>
+      <p:pic>
+        <p:nvPicPr>
+          <p:cNvPr id="147" name="Google Shape;147;p24"/>
+          <p:cNvPicPr preferRelativeResize="0"/>
+          <p:nvPr/>
+        </p:nvPicPr>
+        <p:blipFill rotWithShape="1">
+          <a:blip r:embed="rId3">
+            <a:alphaModFix/>
+          </a:blip>
+          <a:srcRect b="0" l="0" r="63267" t="0"/>
+          <a:stretch/>
+        </p:blipFill>
+        <p:spPr>
+          <a:xfrm>
+            <a:off x="947625" y="480675"/>
+            <a:ext cx="2661126" cy="761425"/>
+          </a:xfrm>
+          <a:prstGeom prst="rect">
+            <a:avLst/>
+          </a:prstGeom>
+          <a:noFill/>
+          <a:ln>
+            <a:noFill/>
+          </a:ln>
+        </p:spPr>
+      </p:pic>
+    </p:spTree>
+  </p:cSld>
+  <p:clrMapOvr>
+    <a:masterClrMapping/>
+  </p:clrMapOvr>
+</p:sld>
+</file>
+
 <file path=ppt/slides/slide2.xml><?xml version="1.0" encoding="utf-8"?>
 <p:sld xmlns:a="http://schemas.openxmlformats.org/drawingml/2006/main" xmlns:r="http://schemas.openxmlformats.org/officeDocument/2006/relationships" xmlns:mc="http://schemas.openxmlformats.org/markup-compatibility/2006" xmlns:mv="urn:schemas-microsoft-com:mac:vml" xmlns:p="http://schemas.openxmlformats.org/presentationml/2006/main" xmlns:c="http://schemas.openxmlformats.org/drawingml/2006/chart" xmlns:dgm="http://schemas.openxmlformats.org/drawingml/2006/diagram" xmlns:o="urn:schemas-microsoft-com:office:office" xmlns:v="urn:schemas-microsoft-com:vml" xmlns:pvml="urn:schemas-microsoft-com:office:powerpoint" xmlns:com="http://schemas.openxmlformats.org/drawingml/2006/compatibility" xmlns:p14="http://schemas.microsoft.com/office/powerpoint/2010/main" xmlns:p15="http://schemas.microsoft.com/office/powerpoint/2012/main">
   <p:cSld>
@@ -6449,7 +7633,7 @@
         </p:nvSpPr>
         <p:spPr>
           <a:xfrm>
-            <a:off x="466450" y="1100100"/>
+            <a:off x="466450" y="1546500"/>
             <a:ext cx="3766800" cy="2050500"/>
           </a:xfrm>
           <a:prstGeom prst="rect">
@@ -7100,8 +8284,8 @@
         </p:nvSpPr>
         <p:spPr>
           <a:xfrm>
-            <a:off x="3813550" y="1167800"/>
-            <a:ext cx="4368300" cy="3320400"/>
+            <a:off x="3813550" y="1017725"/>
+            <a:ext cx="4368300" cy="3470400"/>
           </a:xfrm>
           <a:prstGeom prst="rect">
             <a:avLst/>
@@ -7123,7 +8307,7 @@
           </a:bodyPr>
           <a:lstStyle/>
           <a:p>
-            <a:pPr indent="0" lvl="0" marL="0" rtl="0" algn="l">
+            <a:pPr indent="0" lvl="0" marL="0" rtl="0" algn="ctr">
               <a:spcBef>
                 <a:spcPts val="0"/>
               </a:spcBef>
@@ -7223,8 +8407,8 @@
         </p:nvSpPr>
         <p:spPr>
           <a:xfrm>
-            <a:off x="936425" y="1167800"/>
-            <a:ext cx="2711100" cy="3320400"/>
+            <a:off x="936425" y="1487325"/>
+            <a:ext cx="2711100" cy="2244300"/>
           </a:xfrm>
           <a:prstGeom prst="rect">
             <a:avLst/>
@@ -7247,6 +8431,9 @@
           <a:lstStyle/>
           <a:p>
             <a:pPr indent="0" lvl="0" marL="0" rtl="0" algn="l">
+              <a:lnSpc>
+                <a:spcPct val="115000"/>
+              </a:lnSpc>
               <a:spcBef>
                 <a:spcPts val="0"/>
               </a:spcBef>
@@ -7297,21 +8484,9 @@
           </a:p>
           <a:p>
             <a:pPr indent="0" lvl="0" marL="0" rtl="0" algn="l">
-              <a:spcBef>
-                <a:spcPts val="0"/>
-              </a:spcBef>
-              <a:spcAft>
-                <a:spcPts val="0"/>
-              </a:spcAft>
-              <a:buNone/>
-            </a:pPr>
-            <a:r>
-              <a:t/>
-            </a:r>
-            <a:endParaRPr/>
-          </a:p>
-          <a:p>
-            <a:pPr indent="0" lvl="0" marL="0" rtl="0" algn="l">
+              <a:lnSpc>
+                <a:spcPct val="115000"/>
+              </a:lnSpc>
               <a:spcBef>
                 <a:spcPts val="0"/>
               </a:spcBef>
@@ -7838,58 +9013,28 @@
             </a:pPr>
             <a:r>
               <a:rPr lang="en"/>
-              <a:t>Data Analysis</a:t>
+              <a:t>Data Collected</a:t>
             </a:r>
             <a:endParaRPr/>
           </a:p>
         </p:txBody>
       </p:sp>
-      <p:pic>
-        <p:nvPicPr>
+      <p:sp>
+        <p:nvSpPr>
           <p:cNvPr id="98" name="Google Shape;98;p18"/>
-          <p:cNvPicPr preferRelativeResize="0"/>
-          <p:nvPr/>
-        </p:nvPicPr>
-        <p:blipFill>
-          <a:blip r:embed="rId3">
-            <a:alphaModFix/>
-          </a:blip>
-          <a:stretch>
-            <a:fillRect/>
-          </a:stretch>
-        </p:blipFill>
-        <p:spPr>
-          <a:xfrm>
-            <a:off x="937413" y="1152525"/>
-            <a:ext cx="7269173" cy="3820976"/>
+          <p:cNvSpPr txBox="1"/>
+          <p:nvPr>
+            <p:ph idx="1" type="body"/>
+          </p:nvPr>
+        </p:nvSpPr>
+        <p:spPr>
+          <a:xfrm>
+            <a:off x="2212675" y="1390075"/>
+            <a:ext cx="4511100" cy="2975100"/>
           </a:xfrm>
           <a:prstGeom prst="rect">
             <a:avLst/>
           </a:prstGeom>
-          <a:noFill/>
-          <a:ln>
-            <a:noFill/>
-          </a:ln>
-        </p:spPr>
-      </p:pic>
-      <p:sp>
-        <p:nvSpPr>
-          <p:cNvPr id="99" name="Google Shape;99;p18"/>
-          <p:cNvSpPr txBox="1"/>
-          <p:nvPr/>
-        </p:nvSpPr>
-        <p:spPr>
-          <a:xfrm>
-            <a:off x="3793200" y="870025"/>
-            <a:ext cx="1557600" cy="497100"/>
-          </a:xfrm>
-          <a:prstGeom prst="rect">
-            <a:avLst/>
-          </a:prstGeom>
-          <a:noFill/>
-          <a:ln>
-            <a:noFill/>
-          </a:ln>
         </p:spPr>
         <p:txBody>
           <a:bodyPr anchorCtr="0" anchor="t" bIns="91425" lIns="91425" spcFirstLastPara="1" rIns="91425" wrap="square" tIns="91425">
@@ -7897,7 +9042,7 @@
           </a:bodyPr>
           <a:lstStyle/>
           <a:p>
-            <a:pPr indent="0" lvl="0" marL="0" rtl="0" algn="ctr">
+            <a:pPr indent="0" lvl="0" marL="0" rtl="0" algn="l">
               <a:spcBef>
                 <a:spcPts val="0"/>
               </a:spcBef>
@@ -7907,10 +9052,94 @@
               <a:buNone/>
             </a:pPr>
             <a:r>
-              <a:rPr lang="en" sz="1800"/>
-              <a:t>Pick Rate</a:t>
-            </a:r>
-            <a:endParaRPr sz="1800"/>
+              <a:rPr lang="en"/>
+              <a:t>Before Data Cleaning:</a:t>
+            </a:r>
+            <a:endParaRPr/>
+          </a:p>
+          <a:p>
+            <a:pPr indent="-342900" lvl="0" marL="914400" rtl="0" algn="l">
+              <a:spcBef>
+                <a:spcPts val="1600"/>
+              </a:spcBef>
+              <a:spcAft>
+                <a:spcPts val="0"/>
+              </a:spcAft>
+              <a:buSzPts val="1800"/>
+              <a:buChar char="●"/>
+            </a:pPr>
+            <a:r>
+              <a:rPr lang="en"/>
+              <a:t>Match Info: 100,000+ </a:t>
+            </a:r>
+            <a:endParaRPr/>
+          </a:p>
+          <a:p>
+            <a:pPr indent="-342900" lvl="0" marL="914400" rtl="0" algn="l">
+              <a:spcBef>
+                <a:spcPts val="0"/>
+              </a:spcBef>
+              <a:spcAft>
+                <a:spcPts val="0"/>
+              </a:spcAft>
+              <a:buSzPts val="1800"/>
+              <a:buChar char="●"/>
+            </a:pPr>
+            <a:r>
+              <a:rPr lang="en"/>
+              <a:t>Account Info: 10,000+</a:t>
+            </a:r>
+            <a:endParaRPr/>
+          </a:p>
+          <a:p>
+            <a:pPr indent="-342900" lvl="0" marL="914400" rtl="0" algn="l">
+              <a:spcBef>
+                <a:spcPts val="0"/>
+              </a:spcBef>
+              <a:spcAft>
+                <a:spcPts val="0"/>
+              </a:spcAft>
+              <a:buSzPts val="1800"/>
+              <a:buChar char="●"/>
+            </a:pPr>
+            <a:r>
+              <a:rPr lang="en"/>
+              <a:t>Champion Mastery: 100,000+</a:t>
+            </a:r>
+            <a:endParaRPr/>
+          </a:p>
+          <a:p>
+            <a:pPr indent="0" lvl="0" marL="0" rtl="0" algn="l">
+              <a:spcBef>
+                <a:spcPts val="1600"/>
+              </a:spcBef>
+              <a:spcAft>
+                <a:spcPts val="0"/>
+              </a:spcAft>
+              <a:buNone/>
+            </a:pPr>
+            <a:r>
+              <a:rPr lang="en"/>
+              <a:t>After Data Cleaning:</a:t>
+            </a:r>
+            <a:endParaRPr/>
+          </a:p>
+          <a:p>
+            <a:pPr indent="-342900" lvl="0" marL="914400" rtl="0" algn="l">
+              <a:spcBef>
+                <a:spcPts val="1600"/>
+              </a:spcBef>
+              <a:spcAft>
+                <a:spcPts val="0"/>
+              </a:spcAft>
+              <a:buSzPts val="1800"/>
+              <a:buChar char="●"/>
+            </a:pPr>
+            <a:r>
+              <a:rPr lang="en"/>
+              <a:t>Match Info: 60,000+</a:t>
+            </a:r>
+            <a:endParaRPr/>
           </a:p>
         </p:txBody>
       </p:sp>
@@ -7927,7 +9156,7 @@
   <p:cSld>
     <p:spTree>
       <p:nvGrpSpPr>
-        <p:cNvPr id="103" name="Shape 103"/>
+        <p:cNvPr id="102" name="Shape 102"/>
         <p:cNvGrpSpPr/>
         <p:nvPr/>
       </p:nvGrpSpPr>
@@ -7939,6 +9168,46 @@
           <a:chExt cx="0" cy="0"/>
         </a:xfrm>
       </p:grpSpPr>
+      <p:sp>
+        <p:nvSpPr>
+          <p:cNvPr id="103" name="Google Shape;103;p19"/>
+          <p:cNvSpPr txBox="1"/>
+          <p:nvPr>
+            <p:ph type="title"/>
+          </p:nvPr>
+        </p:nvSpPr>
+        <p:spPr>
+          <a:xfrm>
+            <a:off x="311700" y="445025"/>
+            <a:ext cx="8520600" cy="572700"/>
+          </a:xfrm>
+          <a:prstGeom prst="rect">
+            <a:avLst/>
+          </a:prstGeom>
+        </p:spPr>
+        <p:txBody>
+          <a:bodyPr anchorCtr="0" anchor="t" bIns="91425" lIns="91425" spcFirstLastPara="1" rIns="91425" wrap="square" tIns="91425">
+            <a:noAutofit/>
+          </a:bodyPr>
+          <a:lstStyle/>
+          <a:p>
+            <a:pPr indent="0" lvl="0" marL="0" rtl="0" algn="l">
+              <a:spcBef>
+                <a:spcPts val="0"/>
+              </a:spcBef>
+              <a:spcAft>
+                <a:spcPts val="0"/>
+              </a:spcAft>
+              <a:buNone/>
+            </a:pPr>
+            <a:r>
+              <a:rPr lang="en"/>
+              <a:t>Data Analysis</a:t>
+            </a:r>
+            <a:endParaRPr/>
+          </a:p>
+        </p:txBody>
+      </p:sp>
       <p:pic>
         <p:nvPicPr>
           <p:cNvPr id="104" name="Google Shape;104;p19"/>
@@ -7955,8 +9224,8 @@
         </p:blipFill>
         <p:spPr>
           <a:xfrm>
-            <a:off x="870588" y="1143725"/>
-            <a:ext cx="7402828" cy="3820975"/>
+            <a:off x="937413" y="1152525"/>
+            <a:ext cx="7269173" cy="3820976"/>
           </a:xfrm>
           <a:prstGeom prst="rect">
             <a:avLst/>
@@ -7971,52 +9240,12 @@
         <p:nvSpPr>
           <p:cNvPr id="105" name="Google Shape;105;p19"/>
           <p:cNvSpPr txBox="1"/>
-          <p:nvPr>
-            <p:ph type="title"/>
-          </p:nvPr>
-        </p:nvSpPr>
-        <p:spPr>
-          <a:xfrm>
-            <a:off x="311700" y="445025"/>
-            <a:ext cx="8520600" cy="572700"/>
-          </a:xfrm>
-          <a:prstGeom prst="rect">
-            <a:avLst/>
-          </a:prstGeom>
-        </p:spPr>
-        <p:txBody>
-          <a:bodyPr anchorCtr="0" anchor="t" bIns="91425" lIns="91425" spcFirstLastPara="1" rIns="91425" wrap="square" tIns="91425">
-            <a:noAutofit/>
-          </a:bodyPr>
-          <a:lstStyle/>
-          <a:p>
-            <a:pPr indent="0" lvl="0" marL="0" rtl="0" algn="l">
-              <a:spcBef>
-                <a:spcPts val="0"/>
-              </a:spcBef>
-              <a:spcAft>
-                <a:spcPts val="0"/>
-              </a:spcAft>
-              <a:buNone/>
-            </a:pPr>
-            <a:r>
-              <a:rPr lang="en"/>
-              <a:t>Data Analysis</a:t>
-            </a:r>
-            <a:endParaRPr/>
-          </a:p>
-        </p:txBody>
-      </p:sp>
-      <p:sp>
-        <p:nvSpPr>
-          <p:cNvPr id="106" name="Google Shape;106;p19"/>
-          <p:cNvSpPr txBox="1"/>
           <p:nvPr/>
         </p:nvSpPr>
         <p:spPr>
           <a:xfrm>
             <a:off x="3793200" y="870025"/>
-            <a:ext cx="3529200" cy="497100"/>
+            <a:ext cx="1557600" cy="497100"/>
           </a:xfrm>
           <a:prstGeom prst="rect">
             <a:avLst/>
@@ -8043,11 +9272,7 @@
             </a:pPr>
             <a:r>
               <a:rPr lang="en" sz="1800"/>
-              <a:t>Win</a:t>
-            </a:r>
-            <a:r>
-              <a:rPr lang="en" sz="1800"/>
-              <a:t> Rate - ordered by pick rate</a:t>
+              <a:t>Pick Rate</a:t>
             </a:r>
             <a:endParaRPr sz="1800"/>
           </a:p>
@@ -8066,7 +9291,7 @@
   <p:cSld>
     <p:spTree>
       <p:nvGrpSpPr>
-        <p:cNvPr id="110" name="Shape 110"/>
+        <p:cNvPr id="109" name="Shape 109"/>
         <p:cNvGrpSpPr/>
         <p:nvPr/>
       </p:nvGrpSpPr>
@@ -8078,6 +9303,34 @@
           <a:chExt cx="0" cy="0"/>
         </a:xfrm>
       </p:grpSpPr>
+      <p:pic>
+        <p:nvPicPr>
+          <p:cNvPr id="110" name="Google Shape;110;p20"/>
+          <p:cNvPicPr preferRelativeResize="0"/>
+          <p:nvPr/>
+        </p:nvPicPr>
+        <p:blipFill>
+          <a:blip r:embed="rId3">
+            <a:alphaModFix/>
+          </a:blip>
+          <a:stretch>
+            <a:fillRect/>
+          </a:stretch>
+        </p:blipFill>
+        <p:spPr>
+          <a:xfrm>
+            <a:off x="870588" y="1143725"/>
+            <a:ext cx="7402828" cy="3820975"/>
+          </a:xfrm>
+          <a:prstGeom prst="rect">
+            <a:avLst/>
+          </a:prstGeom>
+          <a:noFill/>
+          <a:ln>
+            <a:noFill/>
+          </a:ln>
+        </p:spPr>
+      </p:pic>
       <p:sp>
         <p:nvSpPr>
           <p:cNvPr id="111" name="Google Shape;111;p20"/>
@@ -8112,7 +9365,7 @@
             </a:pPr>
             <a:r>
               <a:rPr lang="en"/>
-              <a:t>Prediction</a:t>
+              <a:t>Data Analysis</a:t>
             </a:r>
             <a:endParaRPr/>
           </a:p>
@@ -8122,18 +9375,20 @@
         <p:nvSpPr>
           <p:cNvPr id="112" name="Google Shape;112;p20"/>
           <p:cNvSpPr txBox="1"/>
-          <p:nvPr>
-            <p:ph idx="1" type="body"/>
-          </p:nvPr>
+          <p:nvPr/>
         </p:nvSpPr>
         <p:spPr>
           <a:xfrm>
-            <a:off x="311700" y="1152475"/>
-            <a:ext cx="8520600" cy="3416400"/>
+            <a:off x="3124325" y="843625"/>
+            <a:ext cx="3529200" cy="497100"/>
           </a:xfrm>
           <a:prstGeom prst="rect">
             <a:avLst/>
           </a:prstGeom>
+          <a:noFill/>
+          <a:ln>
+            <a:noFill/>
+          </a:ln>
         </p:spPr>
         <p:txBody>
           <a:bodyPr anchorCtr="0" anchor="t" bIns="91425" lIns="91425" spcFirstLastPara="1" rIns="91425" wrap="square" tIns="91425">
@@ -8141,7 +9396,7 @@
           </a:bodyPr>
           <a:lstStyle/>
           <a:p>
-            <a:pPr indent="0" lvl="0" marL="0" rtl="0" algn="l">
+            <a:pPr indent="0" lvl="0" marL="0" rtl="0" algn="ctr">
               <a:spcBef>
                 <a:spcPts val="0"/>
               </a:spcBef>
@@ -8151,108 +9406,14 @@
               <a:buNone/>
             </a:pPr>
             <a:r>
-              <a:rPr lang="en"/>
-              <a:t>JetBrain Idea</a:t>
-            </a:r>
-            <a:endParaRPr/>
-          </a:p>
-          <a:p>
-            <a:pPr indent="0" lvl="0" marL="0" rtl="0" algn="l">
-              <a:spcBef>
-                <a:spcPts val="1600"/>
-              </a:spcBef>
-              <a:spcAft>
-                <a:spcPts val="0"/>
-              </a:spcAft>
-              <a:buNone/>
-            </a:pPr>
-            <a:r>
-              <a:rPr lang="en"/>
-              <a:t>Methodology</a:t>
-            </a:r>
-            <a:endParaRPr/>
-          </a:p>
-          <a:p>
-            <a:pPr indent="-342900" lvl="0" marL="914400" rtl="0" algn="l">
-              <a:spcBef>
-                <a:spcPts val="1600"/>
-              </a:spcBef>
-              <a:spcAft>
-                <a:spcPts val="0"/>
-              </a:spcAft>
-              <a:buSzPts val="1800"/>
-              <a:buChar char="●"/>
-            </a:pPr>
-            <a:r>
-              <a:rPr lang="en"/>
-              <a:t>Spark MLib, Spark SQL DataFrame</a:t>
-            </a:r>
-            <a:endParaRPr/>
-          </a:p>
-          <a:p>
-            <a:pPr indent="-342900" lvl="0" marL="914400" rtl="0" algn="l">
-              <a:spcBef>
-                <a:spcPts val="0"/>
-              </a:spcBef>
-              <a:spcAft>
-                <a:spcPts val="0"/>
-              </a:spcAft>
-              <a:buSzPts val="1800"/>
-              <a:buChar char="●"/>
-            </a:pPr>
-            <a:r>
-              <a:rPr lang="en"/>
-              <a:t>ANN</a:t>
-            </a:r>
-            <a:endParaRPr/>
-          </a:p>
-          <a:p>
-            <a:pPr indent="0" lvl="0" marL="0" rtl="0" algn="l">
-              <a:spcBef>
-                <a:spcPts val="1600"/>
-              </a:spcBef>
-              <a:spcAft>
-                <a:spcPts val="0"/>
-              </a:spcAft>
-              <a:buNone/>
-            </a:pPr>
-            <a:r>
-              <a:rPr lang="en"/>
-              <a:t>Accuracy</a:t>
-            </a:r>
-            <a:endParaRPr/>
-          </a:p>
-          <a:p>
-            <a:pPr indent="457200" lvl="0" marL="0" rtl="0" algn="l">
-              <a:spcBef>
-                <a:spcPts val="1600"/>
-              </a:spcBef>
-              <a:spcAft>
-                <a:spcPts val="0"/>
-              </a:spcAft>
-              <a:buNone/>
-            </a:pPr>
-            <a:r>
-              <a:rPr lang="en"/>
-              <a:t>Not Good</a:t>
-            </a:r>
-            <a:endParaRPr/>
-          </a:p>
-          <a:p>
-            <a:pPr indent="0" lvl="0" marL="0" rtl="0" algn="l">
-              <a:spcBef>
-                <a:spcPts val="1600"/>
-              </a:spcBef>
-              <a:spcAft>
-                <a:spcPts val="1600"/>
-              </a:spcAft>
-              <a:buNone/>
-            </a:pPr>
-            <a:r>
-              <a:rPr lang="en"/>
-              <a:t>Comparison</a:t>
-            </a:r>
-            <a:endParaRPr/>
+              <a:rPr lang="en" sz="1800"/>
+              <a:t>Win</a:t>
+            </a:r>
+            <a:r>
+              <a:rPr lang="en" sz="1800"/>
+              <a:t> Rate - ordered by pick rate</a:t>
+            </a:r>
+            <a:endParaRPr sz="1800"/>
           </a:p>
         </p:txBody>
       </p:sp>
@@ -8286,13 +9447,13 @@
           <p:cNvPr id="117" name="Google Shape;117;p21"/>
           <p:cNvSpPr txBox="1"/>
           <p:nvPr>
-            <p:ph idx="4294967295" type="ctrTitle"/>
+            <p:ph type="title"/>
           </p:nvPr>
         </p:nvSpPr>
         <p:spPr>
           <a:xfrm>
-            <a:off x="311700" y="1765225"/>
-            <a:ext cx="8520600" cy="1012200"/>
+            <a:off x="311700" y="445025"/>
+            <a:ext cx="8520600" cy="572700"/>
           </a:xfrm>
           <a:prstGeom prst="rect">
             <a:avLst/>
@@ -8304,7 +9465,7 @@
           </a:bodyPr>
           <a:lstStyle/>
           <a:p>
-            <a:pPr indent="0" lvl="0" marL="0" rtl="0" algn="ctr">
+            <a:pPr indent="0" lvl="0" marL="0" rtl="0" algn="l">
               <a:spcBef>
                 <a:spcPts val="0"/>
               </a:spcBef>
@@ -8314,10 +9475,10 @@
               <a:buNone/>
             </a:pPr>
             <a:r>
-              <a:rPr lang="en" sz="4800"/>
-              <a:t>End</a:t>
-            </a:r>
-            <a:endParaRPr sz="4800"/>
+              <a:rPr lang="en"/>
+              <a:t>Prediction</a:t>
+            </a:r>
+            <a:endParaRPr/>
           </a:p>
         </p:txBody>
       </p:sp>
@@ -8326,13 +9487,13 @@
           <p:cNvPr id="118" name="Google Shape;118;p21"/>
           <p:cNvSpPr txBox="1"/>
           <p:nvPr>
-            <p:ph idx="4294967295" type="subTitle"/>
+            <p:ph idx="1" type="body"/>
           </p:nvPr>
         </p:nvSpPr>
         <p:spPr>
           <a:xfrm>
-            <a:off x="1185600" y="3186150"/>
-            <a:ext cx="6772800" cy="1096200"/>
+            <a:off x="1446975" y="1187675"/>
+            <a:ext cx="6623400" cy="3416400"/>
           </a:xfrm>
           <a:prstGeom prst="rect">
             <a:avLst/>
@@ -8344,7 +9505,7 @@
           </a:bodyPr>
           <a:lstStyle/>
           <a:p>
-            <a:pPr indent="0" lvl="0" marL="0" rtl="0" algn="r">
+            <a:pPr indent="0" lvl="0" marL="0" rtl="0" algn="l">
               <a:spcBef>
                 <a:spcPts val="0"/>
               </a:spcBef>
@@ -8354,56 +9515,126 @@
               <a:buNone/>
             </a:pPr>
             <a:r>
-              <a:rPr lang="en" sz="1800"/>
-              <a:t>Xuanshan Xiao</a:t>
-            </a:r>
-            <a:endParaRPr sz="1800"/>
-          </a:p>
-          <a:p>
-            <a:pPr indent="0" lvl="0" marL="0" rtl="0" algn="r">
-              <a:spcBef>
-                <a:spcPts val="1600"/>
-              </a:spcBef>
-              <a:spcAft>
-                <a:spcPts val="1600"/>
-              </a:spcAft>
-              <a:buNone/>
+              <a:rPr lang="en"/>
+              <a:t>Methodology</a:t>
+            </a:r>
+            <a:endParaRPr/>
+          </a:p>
+          <a:p>
+            <a:pPr indent="-342900" lvl="0" marL="914400" rtl="0" algn="l">
+              <a:spcBef>
+                <a:spcPts val="1000"/>
+              </a:spcBef>
+              <a:spcAft>
+                <a:spcPts val="0"/>
+              </a:spcAft>
+              <a:buSzPts val="1800"/>
+              <a:buChar char="●"/>
             </a:pPr>
             <a:r>
-              <a:rPr lang="en" sz="1800"/>
-              <a:t>Lei Liu</a:t>
-            </a:r>
-            <a:endParaRPr sz="1800"/>
+              <a:rPr lang="en"/>
+              <a:t>Spark MLlib, Spark SQL DataFrame</a:t>
+            </a:r>
+            <a:endParaRPr/>
+          </a:p>
+          <a:p>
+            <a:pPr indent="-342900" lvl="0" marL="914400" rtl="0" algn="l">
+              <a:spcBef>
+                <a:spcPts val="1000"/>
+              </a:spcBef>
+              <a:spcAft>
+                <a:spcPts val="0"/>
+              </a:spcAft>
+              <a:buSzPts val="1800"/>
+              <a:buChar char="●"/>
+            </a:pPr>
+            <a:r>
+              <a:rPr lang="en"/>
+              <a:t>ANN</a:t>
+            </a:r>
+            <a:endParaRPr/>
+          </a:p>
+          <a:p>
+            <a:pPr indent="0" lvl="0" marL="0" rtl="0" algn="l">
+              <a:spcBef>
+                <a:spcPts val="1000"/>
+              </a:spcBef>
+              <a:spcAft>
+                <a:spcPts val="0"/>
+              </a:spcAft>
+              <a:buNone/>
+            </a:pPr>
+            <a:r>
+              <a:rPr lang="en"/>
+              <a:t>Model Analysis &amp; </a:t>
+            </a:r>
+            <a:r>
+              <a:rPr lang="en"/>
+              <a:t>Accuracy</a:t>
+            </a:r>
+            <a:endParaRPr/>
+          </a:p>
+          <a:p>
+            <a:pPr indent="-342900" lvl="0" marL="914400" rtl="0" algn="l">
+              <a:spcBef>
+                <a:spcPts val="1000"/>
+              </a:spcBef>
+              <a:spcAft>
+                <a:spcPts val="0"/>
+              </a:spcAft>
+              <a:buSzPts val="1800"/>
+              <a:buChar char="●"/>
+            </a:pPr>
+            <a:r>
+              <a:rPr lang="en"/>
+              <a:t>Layers: 500 -&gt; 200 -&gt; 100 -&gt; 70 -&gt; 30 -&gt; 15 -&gt; 2</a:t>
+            </a:r>
+            <a:endParaRPr/>
+          </a:p>
+          <a:p>
+            <a:pPr indent="-342900" lvl="0" marL="914400" rtl="0" algn="l">
+              <a:spcBef>
+                <a:spcPts val="1000"/>
+              </a:spcBef>
+              <a:spcAft>
+                <a:spcPts val="0"/>
+              </a:spcAft>
+              <a:buSzPts val="1800"/>
+              <a:buChar char="●"/>
+            </a:pPr>
+            <a:r>
+              <a:rPr lang="en"/>
+              <a:t>With </a:t>
+            </a:r>
+            <a:r>
+              <a:rPr lang="en"/>
+              <a:t>60,986</a:t>
+            </a:r>
+            <a:r>
+              <a:rPr lang="en"/>
+              <a:t> rows of data</a:t>
+            </a:r>
+            <a:endParaRPr/>
+          </a:p>
+          <a:p>
+            <a:pPr indent="-342900" lvl="0" marL="914400" rtl="0" algn="l">
+              <a:spcBef>
+                <a:spcPts val="1000"/>
+              </a:spcBef>
+              <a:spcAft>
+                <a:spcPts val="1000"/>
+              </a:spcAft>
+              <a:buSzPts val="1800"/>
+              <a:buChar char="●"/>
+            </a:pPr>
+            <a:r>
+              <a:rPr lang="en"/>
+              <a:t>Highest accuracy: 0.61</a:t>
+            </a:r>
+            <a:endParaRPr/>
           </a:p>
         </p:txBody>
       </p:sp>
-      <p:pic>
-        <p:nvPicPr>
-          <p:cNvPr id="119" name="Google Shape;119;p21"/>
-          <p:cNvPicPr preferRelativeResize="0"/>
-          <p:nvPr/>
-        </p:nvPicPr>
-        <p:blipFill rotWithShape="1">
-          <a:blip r:embed="rId3">
-            <a:alphaModFix/>
-          </a:blip>
-          <a:srcRect b="0" l="0" r="63267" t="0"/>
-          <a:stretch/>
-        </p:blipFill>
-        <p:spPr>
-          <a:xfrm>
-            <a:off x="947625" y="480675"/>
-            <a:ext cx="2661126" cy="761425"/>
-          </a:xfrm>
-          <a:prstGeom prst="rect">
-            <a:avLst/>
-          </a:prstGeom>
-          <a:noFill/>
-          <a:ln>
-            <a:noFill/>
-          </a:ln>
-        </p:spPr>
-      </p:pic>
     </p:spTree>
   </p:cSld>
   <p:clrMapOvr>
@@ -8413,6 +9644,285 @@
 </file>
 
 <file path=ppt/theme/theme1.xml><?xml version="1.0" encoding="utf-8"?>
+<a:theme xmlns:a="http://schemas.openxmlformats.org/drawingml/2006/main" xmlns:r="http://schemas.openxmlformats.org/officeDocument/2006/relationships">
+  <a:themeElements>
+    <a:clrScheme name="Default">
+      <a:dk1>
+        <a:srgbClr val="000000"/>
+      </a:dk1>
+      <a:lt1>
+        <a:srgbClr val="FFFFFF"/>
+      </a:lt1>
+      <a:dk2>
+        <a:srgbClr val="158158"/>
+      </a:dk2>
+      <a:lt2>
+        <a:srgbClr val="F3F3F3"/>
+      </a:lt2>
+      <a:accent1>
+        <a:srgbClr val="058DC7"/>
+      </a:accent1>
+      <a:accent2>
+        <a:srgbClr val="50B432"/>
+      </a:accent2>
+      <a:accent3>
+        <a:srgbClr val="ED561B"/>
+      </a:accent3>
+      <a:accent4>
+        <a:srgbClr val="EDEF00"/>
+      </a:accent4>
+      <a:accent5>
+        <a:srgbClr val="24CBE5"/>
+      </a:accent5>
+      <a:accent6>
+        <a:srgbClr val="64E572"/>
+      </a:accent6>
+      <a:hlink>
+        <a:srgbClr val="2200CC"/>
+      </a:hlink>
+      <a:folHlink>
+        <a:srgbClr val="551A8B"/>
+      </a:folHlink>
+    </a:clrScheme>
+    <a:fontScheme name="Office">
+      <a:majorFont>
+        <a:latin typeface="Arial"/>
+        <a:ea typeface=""/>
+        <a:cs typeface=""/>
+        <a:font script="Jpan" typeface="ＭＳ Ｐゴシック"/>
+        <a:font script="Hang" typeface="맑은 고딕"/>
+        <a:font script="Hans" typeface="宋体"/>
+        <a:font script="Hant" typeface="新細明體"/>
+        <a:font script="Arab" typeface="Times New Roman"/>
+        <a:font script="Hebr" typeface="Times New Roman"/>
+        <a:font script="Thai" typeface="Angsana New"/>
+        <a:font script="Ethi" typeface="Nyala"/>
+        <a:font script="Beng" typeface="Vrinda"/>
+        <a:font script="Gujr" typeface="Shruti"/>
+        <a:font script="Khmr" typeface="MoolBoran"/>
+        <a:font script="Knda" typeface="Tunga"/>
+        <a:font script="Guru" typeface="Raavi"/>
+        <a:font script="Cans" typeface="Euphemia"/>
+        <a:font script="Cher" typeface="Plantagenet Cherokee"/>
+        <a:font script="Yiii" typeface="Microsoft Yi Baiti"/>
+        <a:font script="Tibt" typeface="Microsoft Himalaya"/>
+        <a:font script="Thaa" typeface="MV Boli"/>
+        <a:font script="Deva" typeface="Mangal"/>
+        <a:font script="Telu" typeface="Gautami"/>
+        <a:font script="Taml" typeface="Latha"/>
+        <a:font script="Syrc" typeface="Estrangelo Edessa"/>
+        <a:font script="Orya" typeface="Kalinga"/>
+        <a:font script="Mlym" typeface="Kartika"/>
+        <a:font script="Laoo" typeface="DokChampa"/>
+        <a:font script="Sinh" typeface="Iskoola Pota"/>
+        <a:font script="Mong" typeface="Mongolian Baiti"/>
+        <a:font script="Viet" typeface="Times New Roman"/>
+        <a:font script="Uigh" typeface="Microsoft Uighur"/>
+        <a:font script="Geor" typeface="Sylfaen"/>
+      </a:majorFont>
+      <a:minorFont>
+        <a:latin typeface="Arial"/>
+        <a:ea typeface=""/>
+        <a:cs typeface=""/>
+        <a:font script="Jpan" typeface="ＭＳ Ｐゴシック"/>
+        <a:font script="Hang" typeface="맑은 고딕"/>
+        <a:font script="Hans" typeface="宋体"/>
+        <a:font script="Hant" typeface="新細明體"/>
+        <a:font script="Arab" typeface="Arial"/>
+        <a:font script="Hebr" typeface="Arial"/>
+        <a:font script="Thai" typeface="Cordia New"/>
+        <a:font script="Ethi" typeface="Nyala"/>
+        <a:font script="Beng" typeface="Vrinda"/>
+        <a:font script="Gujr" typeface="Shruti"/>
+        <a:font script="Khmr" typeface="DaunPenh"/>
+        <a:font script="Knda" typeface="Tunga"/>
+        <a:font script="Guru" typeface="Raavi"/>
+        <a:font script="Cans" typeface="Euphemia"/>
+        <a:font script="Cher" typeface="Plantagenet Cherokee"/>
+        <a:font script="Yiii" typeface="Microsoft Yi Baiti"/>
+        <a:font script="Tibt" typeface="Microsoft Himalaya"/>
+        <a:font script="Thaa" typeface="MV Boli"/>
+        <a:font script="Deva" typeface="Mangal"/>
+        <a:font script="Telu" typeface="Gautami"/>
+        <a:font script="Taml" typeface="Latha"/>
+        <a:font script="Syrc" typeface="Estrangelo Edessa"/>
+        <a:font script="Orya" typeface="Kalinga"/>
+        <a:font script="Mlym" typeface="Kartika"/>
+        <a:font script="Laoo" typeface="DokChampa"/>
+        <a:font script="Sinh" typeface="Iskoola Pota"/>
+        <a:font script="Mong" typeface="Mongolian Baiti"/>
+        <a:font script="Viet" typeface="Arial"/>
+        <a:font script="Uigh" typeface="Microsoft Uighur"/>
+        <a:font script="Geor" typeface="Sylfaen"/>
+      </a:minorFont>
+    </a:fontScheme>
+    <a:fmtScheme name="Office">
+      <a:fillStyleLst>
+        <a:solidFill>
+          <a:schemeClr val="phClr"/>
+        </a:solidFill>
+        <a:gradFill rotWithShape="1">
+          <a:gsLst>
+            <a:gs pos="0">
+              <a:schemeClr val="phClr">
+                <a:tint val="50000"/>
+                <a:satMod val="300000"/>
+              </a:schemeClr>
+            </a:gs>
+            <a:gs pos="35000">
+              <a:schemeClr val="phClr">
+                <a:tint val="37000"/>
+                <a:satMod val="300000"/>
+              </a:schemeClr>
+            </a:gs>
+            <a:gs pos="100000">
+              <a:schemeClr val="phClr">
+                <a:tint val="15000"/>
+                <a:satMod val="350000"/>
+              </a:schemeClr>
+            </a:gs>
+          </a:gsLst>
+          <a:lin ang="16200000" scaled="1"/>
+        </a:gradFill>
+        <a:gradFill rotWithShape="1">
+          <a:gsLst>
+            <a:gs pos="0">
+              <a:schemeClr val="phClr">
+                <a:tint val="100000"/>
+                <a:shade val="100000"/>
+                <a:satMod val="130000"/>
+              </a:schemeClr>
+            </a:gs>
+            <a:gs pos="100000">
+              <a:schemeClr val="phClr">
+                <a:tint val="50000"/>
+                <a:shade val="100000"/>
+                <a:satMod val="350000"/>
+              </a:schemeClr>
+            </a:gs>
+          </a:gsLst>
+          <a:lin ang="16200000" scaled="0"/>
+        </a:gradFill>
+      </a:fillStyleLst>
+      <a:lnStyleLst>
+        <a:ln w="9525" cap="flat" cmpd="sng" algn="ctr">
+          <a:solidFill>
+            <a:schemeClr val="phClr">
+              <a:shade val="95000"/>
+              <a:satMod val="105000"/>
+            </a:schemeClr>
+          </a:solidFill>
+          <a:prstDash val="solid"/>
+        </a:ln>
+        <a:ln w="25400" cap="flat" cmpd="sng" algn="ctr">
+          <a:solidFill>
+            <a:schemeClr val="phClr"/>
+          </a:solidFill>
+          <a:prstDash val="solid"/>
+        </a:ln>
+        <a:ln w="38100" cap="flat" cmpd="sng" algn="ctr">
+          <a:solidFill>
+            <a:schemeClr val="phClr"/>
+          </a:solidFill>
+          <a:prstDash val="solid"/>
+        </a:ln>
+      </a:lnStyleLst>
+      <a:effectStyleLst>
+        <a:effectStyle>
+          <a:effectLst>
+            <a:outerShdw blurRad="40000" dist="20000" dir="5400000" rotWithShape="0">
+              <a:srgbClr val="000000">
+                <a:alpha val="38000"/>
+              </a:srgbClr>
+            </a:outerShdw>
+          </a:effectLst>
+        </a:effectStyle>
+        <a:effectStyle>
+          <a:effectLst>
+            <a:outerShdw blurRad="40000" dist="23000" dir="5400000" rotWithShape="0">
+              <a:srgbClr val="000000">
+                <a:alpha val="35000"/>
+              </a:srgbClr>
+            </a:outerShdw>
+          </a:effectLst>
+        </a:effectStyle>
+        <a:effectStyle>
+          <a:effectLst>
+            <a:outerShdw blurRad="40000" dist="23000" dir="5400000" rotWithShape="0">
+              <a:srgbClr val="000000">
+                <a:alpha val="35000"/>
+              </a:srgbClr>
+            </a:outerShdw>
+          </a:effectLst>
+          <a:scene3d>
+            <a:camera prst="orthographicFront">
+              <a:rot lat="0" lon="0" rev="0"/>
+            </a:camera>
+            <a:lightRig rig="threePt" dir="t">
+              <a:rot lat="0" lon="0" rev="1200000"/>
+            </a:lightRig>
+          </a:scene3d>
+          <a:sp3d>
+            <a:bevelT w="63500" h="25400"/>
+          </a:sp3d>
+        </a:effectStyle>
+      </a:effectStyleLst>
+      <a:bgFillStyleLst>
+        <a:solidFill>
+          <a:schemeClr val="phClr"/>
+        </a:solidFill>
+        <a:gradFill rotWithShape="1">
+          <a:gsLst>
+            <a:gs pos="0">
+              <a:schemeClr val="phClr">
+                <a:tint val="40000"/>
+                <a:satMod val="350000"/>
+              </a:schemeClr>
+            </a:gs>
+            <a:gs pos="40000">
+              <a:schemeClr val="phClr">
+                <a:tint val="45000"/>
+                <a:shade val="99000"/>
+                <a:satMod val="350000"/>
+              </a:schemeClr>
+            </a:gs>
+            <a:gs pos="100000">
+              <a:schemeClr val="phClr">
+                <a:shade val="20000"/>
+                <a:satMod val="255000"/>
+              </a:schemeClr>
+            </a:gs>
+          </a:gsLst>
+          <a:path path="circle">
+            <a:fillToRect l="50000" t="-80000" r="50000" b="180000"/>
+          </a:path>
+        </a:gradFill>
+        <a:gradFill rotWithShape="1">
+          <a:gsLst>
+            <a:gs pos="0">
+              <a:schemeClr val="phClr">
+                <a:tint val="80000"/>
+                <a:satMod val="300000"/>
+              </a:schemeClr>
+            </a:gs>
+            <a:gs pos="100000">
+              <a:schemeClr val="phClr">
+                <a:shade val="30000"/>
+                <a:satMod val="200000"/>
+              </a:schemeClr>
+            </a:gs>
+          </a:gsLst>
+          <a:path path="circle">
+            <a:fillToRect l="50000" t="50000" r="50000" b="50000"/>
+          </a:path>
+        </a:gradFill>
+      </a:bgFillStyleLst>
+    </a:fmtScheme>
+  </a:themeElements>
+</a:theme>
+</file>
+
+<file path=ppt/theme/theme2.xml><?xml version="1.0" encoding="utf-8"?>
 <a:theme xmlns:a="http://schemas.openxmlformats.org/drawingml/2006/main" xmlns:r="http://schemas.openxmlformats.org/officeDocument/2006/relationships" name="Simple Light">
   <a:themeElements>
     <a:clrScheme name="Simple Light">
@@ -8689,283 +10199,4 @@
     </a:fmtScheme>
   </a:themeElements>
 </a:theme>
-</file>
-
-<file path=ppt/theme/theme2.xml><?xml version="1.0" encoding="utf-8"?>
-<a:theme xmlns:a="http://schemas.openxmlformats.org/drawingml/2006/main" xmlns:r="http://schemas.openxmlformats.org/officeDocument/2006/relationships">
-  <a:themeElements>
-    <a:clrScheme name="Default">
-      <a:dk1>
-        <a:srgbClr val="000000"/>
-      </a:dk1>
-      <a:lt1>
-        <a:srgbClr val="FFFFFF"/>
-      </a:lt1>
-      <a:dk2>
-        <a:srgbClr val="158158"/>
-      </a:dk2>
-      <a:lt2>
-        <a:srgbClr val="F3F3F3"/>
-      </a:lt2>
-      <a:accent1>
-        <a:srgbClr val="058DC7"/>
-      </a:accent1>
-      <a:accent2>
-        <a:srgbClr val="50B432"/>
-      </a:accent2>
-      <a:accent3>
-        <a:srgbClr val="ED561B"/>
-      </a:accent3>
-      <a:accent4>
-        <a:srgbClr val="EDEF00"/>
-      </a:accent4>
-      <a:accent5>
-        <a:srgbClr val="24CBE5"/>
-      </a:accent5>
-      <a:accent6>
-        <a:srgbClr val="64E572"/>
-      </a:accent6>
-      <a:hlink>
-        <a:srgbClr val="2200CC"/>
-      </a:hlink>
-      <a:folHlink>
-        <a:srgbClr val="551A8B"/>
-      </a:folHlink>
-    </a:clrScheme>
-    <a:fontScheme name="Office">
-      <a:majorFont>
-        <a:latin typeface="Arial"/>
-        <a:ea typeface=""/>
-        <a:cs typeface=""/>
-        <a:font script="Jpan" typeface="ＭＳ Ｐゴシック"/>
-        <a:font script="Hang" typeface="맑은 고딕"/>
-        <a:font script="Hans" typeface="宋体"/>
-        <a:font script="Hant" typeface="新細明體"/>
-        <a:font script="Arab" typeface="Times New Roman"/>
-        <a:font script="Hebr" typeface="Times New Roman"/>
-        <a:font script="Thai" typeface="Angsana New"/>
-        <a:font script="Ethi" typeface="Nyala"/>
-        <a:font script="Beng" typeface="Vrinda"/>
-        <a:font script="Gujr" typeface="Shruti"/>
-        <a:font script="Khmr" typeface="MoolBoran"/>
-        <a:font script="Knda" typeface="Tunga"/>
-        <a:font script="Guru" typeface="Raavi"/>
-        <a:font script="Cans" typeface="Euphemia"/>
-        <a:font script="Cher" typeface="Plantagenet Cherokee"/>
-        <a:font script="Yiii" typeface="Microsoft Yi Baiti"/>
-        <a:font script="Tibt" typeface="Microsoft Himalaya"/>
-        <a:font script="Thaa" typeface="MV Boli"/>
-        <a:font script="Deva" typeface="Mangal"/>
-        <a:font script="Telu" typeface="Gautami"/>
-        <a:font script="Taml" typeface="Latha"/>
-        <a:font script="Syrc" typeface="Estrangelo Edessa"/>
-        <a:font script="Orya" typeface="Kalinga"/>
-        <a:font script="Mlym" typeface="Kartika"/>
-        <a:font script="Laoo" typeface="DokChampa"/>
-        <a:font script="Sinh" typeface="Iskoola Pota"/>
-        <a:font script="Mong" typeface="Mongolian Baiti"/>
-        <a:font script="Viet" typeface="Times New Roman"/>
-        <a:font script="Uigh" typeface="Microsoft Uighur"/>
-        <a:font script="Geor" typeface="Sylfaen"/>
-      </a:majorFont>
-      <a:minorFont>
-        <a:latin typeface="Arial"/>
-        <a:ea typeface=""/>
-        <a:cs typeface=""/>
-        <a:font script="Jpan" typeface="ＭＳ Ｐゴシック"/>
-        <a:font script="Hang" typeface="맑은 고딕"/>
-        <a:font script="Hans" typeface="宋体"/>
-        <a:font script="Hant" typeface="新細明體"/>
-        <a:font script="Arab" typeface="Arial"/>
-        <a:font script="Hebr" typeface="Arial"/>
-        <a:font script="Thai" typeface="Cordia New"/>
-        <a:font script="Ethi" typeface="Nyala"/>
-        <a:font script="Beng" typeface="Vrinda"/>
-        <a:font script="Gujr" typeface="Shruti"/>
-        <a:font script="Khmr" typeface="DaunPenh"/>
-        <a:font script="Knda" typeface="Tunga"/>
-        <a:font script="Guru" typeface="Raavi"/>
-        <a:font script="Cans" typeface="Euphemia"/>
-        <a:font script="Cher" typeface="Plantagenet Cherokee"/>
-        <a:font script="Yiii" typeface="Microsoft Yi Baiti"/>
-        <a:font script="Tibt" typeface="Microsoft Himalaya"/>
-        <a:font script="Thaa" typeface="MV Boli"/>
-        <a:font script="Deva" typeface="Mangal"/>
-        <a:font script="Telu" typeface="Gautami"/>
-        <a:font script="Taml" typeface="Latha"/>
-        <a:font script="Syrc" typeface="Estrangelo Edessa"/>
-        <a:font script="Orya" typeface="Kalinga"/>
-        <a:font script="Mlym" typeface="Kartika"/>
-        <a:font script="Laoo" typeface="DokChampa"/>
-        <a:font script="Sinh" typeface="Iskoola Pota"/>
-        <a:font script="Mong" typeface="Mongolian Baiti"/>
-        <a:font script="Viet" typeface="Arial"/>
-        <a:font script="Uigh" typeface="Microsoft Uighur"/>
-        <a:font script="Geor" typeface="Sylfaen"/>
-      </a:minorFont>
-    </a:fontScheme>
-    <a:fmtScheme name="Office">
-      <a:fillStyleLst>
-        <a:solidFill>
-          <a:schemeClr val="phClr"/>
-        </a:solidFill>
-        <a:gradFill rotWithShape="1">
-          <a:gsLst>
-            <a:gs pos="0">
-              <a:schemeClr val="phClr">
-                <a:tint val="50000"/>
-                <a:satMod val="300000"/>
-              </a:schemeClr>
-            </a:gs>
-            <a:gs pos="35000">
-              <a:schemeClr val="phClr">
-                <a:tint val="37000"/>
-                <a:satMod val="300000"/>
-              </a:schemeClr>
-            </a:gs>
-            <a:gs pos="100000">
-              <a:schemeClr val="phClr">
-                <a:tint val="15000"/>
-                <a:satMod val="350000"/>
-              </a:schemeClr>
-            </a:gs>
-          </a:gsLst>
-          <a:lin ang="16200000" scaled="1"/>
-        </a:gradFill>
-        <a:gradFill rotWithShape="1">
-          <a:gsLst>
-            <a:gs pos="0">
-              <a:schemeClr val="phClr">
-                <a:tint val="100000"/>
-                <a:shade val="100000"/>
-                <a:satMod val="130000"/>
-              </a:schemeClr>
-            </a:gs>
-            <a:gs pos="100000">
-              <a:schemeClr val="phClr">
-                <a:tint val="50000"/>
-                <a:shade val="100000"/>
-                <a:satMod val="350000"/>
-              </a:schemeClr>
-            </a:gs>
-          </a:gsLst>
-          <a:lin ang="16200000" scaled="0"/>
-        </a:gradFill>
-      </a:fillStyleLst>
-      <a:lnStyleLst>
-        <a:ln w="9525" cap="flat" cmpd="sng" algn="ctr">
-          <a:solidFill>
-            <a:schemeClr val="phClr">
-              <a:shade val="95000"/>
-              <a:satMod val="105000"/>
-            </a:schemeClr>
-          </a:solidFill>
-          <a:prstDash val="solid"/>
-        </a:ln>
-        <a:ln w="25400" cap="flat" cmpd="sng" algn="ctr">
-          <a:solidFill>
-            <a:schemeClr val="phClr"/>
-          </a:solidFill>
-          <a:prstDash val="solid"/>
-        </a:ln>
-        <a:ln w="38100" cap="flat" cmpd="sng" algn="ctr">
-          <a:solidFill>
-            <a:schemeClr val="phClr"/>
-          </a:solidFill>
-          <a:prstDash val="solid"/>
-        </a:ln>
-      </a:lnStyleLst>
-      <a:effectStyleLst>
-        <a:effectStyle>
-          <a:effectLst>
-            <a:outerShdw blurRad="40000" dist="20000" dir="5400000" rotWithShape="0">
-              <a:srgbClr val="000000">
-                <a:alpha val="38000"/>
-              </a:srgbClr>
-            </a:outerShdw>
-          </a:effectLst>
-        </a:effectStyle>
-        <a:effectStyle>
-          <a:effectLst>
-            <a:outerShdw blurRad="40000" dist="23000" dir="5400000" rotWithShape="0">
-              <a:srgbClr val="000000">
-                <a:alpha val="35000"/>
-              </a:srgbClr>
-            </a:outerShdw>
-          </a:effectLst>
-        </a:effectStyle>
-        <a:effectStyle>
-          <a:effectLst>
-            <a:outerShdw blurRad="40000" dist="23000" dir="5400000" rotWithShape="0">
-              <a:srgbClr val="000000">
-                <a:alpha val="35000"/>
-              </a:srgbClr>
-            </a:outerShdw>
-          </a:effectLst>
-          <a:scene3d>
-            <a:camera prst="orthographicFront">
-              <a:rot lat="0" lon="0" rev="0"/>
-            </a:camera>
-            <a:lightRig rig="threePt" dir="t">
-              <a:rot lat="0" lon="0" rev="1200000"/>
-            </a:lightRig>
-          </a:scene3d>
-          <a:sp3d>
-            <a:bevelT w="63500" h="25400"/>
-          </a:sp3d>
-        </a:effectStyle>
-      </a:effectStyleLst>
-      <a:bgFillStyleLst>
-        <a:solidFill>
-          <a:schemeClr val="phClr"/>
-        </a:solidFill>
-        <a:gradFill rotWithShape="1">
-          <a:gsLst>
-            <a:gs pos="0">
-              <a:schemeClr val="phClr">
-                <a:tint val="40000"/>
-                <a:satMod val="350000"/>
-              </a:schemeClr>
-            </a:gs>
-            <a:gs pos="40000">
-              <a:schemeClr val="phClr">
-                <a:tint val="45000"/>
-                <a:shade val="99000"/>
-                <a:satMod val="350000"/>
-              </a:schemeClr>
-            </a:gs>
-            <a:gs pos="100000">
-              <a:schemeClr val="phClr">
-                <a:shade val="20000"/>
-                <a:satMod val="255000"/>
-              </a:schemeClr>
-            </a:gs>
-          </a:gsLst>
-          <a:path path="circle">
-            <a:fillToRect l="50000" t="-80000" r="50000" b="180000"/>
-          </a:path>
-        </a:gradFill>
-        <a:gradFill rotWithShape="1">
-          <a:gsLst>
-            <a:gs pos="0">
-              <a:schemeClr val="phClr">
-                <a:tint val="80000"/>
-                <a:satMod val="300000"/>
-              </a:schemeClr>
-            </a:gs>
-            <a:gs pos="100000">
-              <a:schemeClr val="phClr">
-                <a:shade val="30000"/>
-                <a:satMod val="200000"/>
-              </a:schemeClr>
-            </a:gs>
-          </a:gsLst>
-          <a:path path="circle">
-            <a:fillToRect l="50000" t="50000" r="50000" b="50000"/>
-          </a:path>
-        </a:gradFill>
-      </a:bgFillStyleLst>
-    </a:fmtScheme>
-  </a:themeElements>
-</a:theme>
 </file>